--- a/swib.pptx
+++ b/swib.pptx
@@ -5,21 +5,29 @@
     <p:sldMasterId id="2147483648" r:id="rId2"/>
   </p:sldMasterIdLst>
   <p:notesMasterIdLst>
-    <p:notesMasterId r:id="rId12"/>
+    <p:notesMasterId r:id="rId20"/>
   </p:notesMasterIdLst>
   <p:handoutMasterIdLst>
-    <p:handoutMasterId r:id="rId13"/>
+    <p:handoutMasterId r:id="rId21"/>
   </p:handoutMasterIdLst>
   <p:sldIdLst>
     <p:sldId id="257" r:id="rId3"/>
-    <p:sldId id="258" r:id="rId4"/>
-    <p:sldId id="259" r:id="rId5"/>
-    <p:sldId id="260" r:id="rId6"/>
-    <p:sldId id="261" r:id="rId7"/>
-    <p:sldId id="262" r:id="rId8"/>
-    <p:sldId id="263" r:id="rId9"/>
-    <p:sldId id="264" r:id="rId10"/>
-    <p:sldId id="265" r:id="rId11"/>
+    <p:sldId id="259" r:id="rId4"/>
+    <p:sldId id="267" r:id="rId5"/>
+    <p:sldId id="258" r:id="rId6"/>
+    <p:sldId id="266" r:id="rId7"/>
+    <p:sldId id="273" r:id="rId8"/>
+    <p:sldId id="274" r:id="rId9"/>
+    <p:sldId id="268" r:id="rId10"/>
+    <p:sldId id="260" r:id="rId11"/>
+    <p:sldId id="270" r:id="rId12"/>
+    <p:sldId id="261" r:id="rId13"/>
+    <p:sldId id="269" r:id="rId14"/>
+    <p:sldId id="262" r:id="rId15"/>
+    <p:sldId id="272" r:id="rId16"/>
+    <p:sldId id="263" r:id="rId17"/>
+    <p:sldId id="264" r:id="rId18"/>
+    <p:sldId id="265" r:id="rId19"/>
   </p:sldIdLst>
   <p:sldSz cx="12192000" cy="6858000"/>
   <p:notesSz cx="6858000" cy="9144000"/>
@@ -645,7 +653,7 @@
 </file>
 
 <file path=ppt/slideLayouts/slideLayout1.xml><?xml version="1.0" encoding="utf-8"?>
-<p:sldLayout xmlns:a="http://schemas.openxmlformats.org/drawingml/2006/main" xmlns:r="http://schemas.openxmlformats.org/officeDocument/2006/relationships" xmlns:p="http://schemas.openxmlformats.org/presentationml/2006/main" showMasterSp="0" type="title" preserve="1">
+<p:sldLayout xmlns:a="http://schemas.openxmlformats.org/drawingml/2006/main" xmlns:r="http://schemas.openxmlformats.org/officeDocument/2006/relationships" xmlns:p="http://schemas.openxmlformats.org/presentationml/2006/main" type="title" preserve="1">
   <p:cSld name="Úvodná snímka">
     <p:spTree>
       <p:nvGrpSpPr>
@@ -2078,7 +2086,7 @@
 </file>
 
 <file path=ppt/slideLayouts/slideLayout13.xml><?xml version="1.0" encoding="utf-8"?>
-<p:sldLayout xmlns:a="http://schemas.openxmlformats.org/drawingml/2006/main" xmlns:r="http://schemas.openxmlformats.org/officeDocument/2006/relationships" xmlns:p="http://schemas.openxmlformats.org/presentationml/2006/main" showMasterSp="0" type="vertTitleAndTx" preserve="1">
+<p:sldLayout xmlns:a="http://schemas.openxmlformats.org/drawingml/2006/main" xmlns:r="http://schemas.openxmlformats.org/officeDocument/2006/relationships" xmlns:p="http://schemas.openxmlformats.org/presentationml/2006/main" type="vertTitleAndTx" preserve="1">
   <p:cSld name="Zvislý nadpis a text">
     <p:spTree>
       <p:nvGrpSpPr>
@@ -2592,7 +2600,7 @@
 </file>
 
 <file path=ppt/slideLayouts/slideLayout3.xml><?xml version="1.0" encoding="utf-8"?>
-<p:sldLayout xmlns:a="http://schemas.openxmlformats.org/drawingml/2006/main" xmlns:r="http://schemas.openxmlformats.org/officeDocument/2006/relationships" xmlns:p="http://schemas.openxmlformats.org/presentationml/2006/main" showMasterSp="0" preserve="1">
+<p:sldLayout xmlns:a="http://schemas.openxmlformats.org/drawingml/2006/main" xmlns:r="http://schemas.openxmlformats.org/officeDocument/2006/relationships" xmlns:p="http://schemas.openxmlformats.org/presentationml/2006/main" preserve="1">
   <p:cSld name="Úvodná snímka s obrázkom">
     <p:spTree>
       <p:nvGrpSpPr>
@@ -3126,7 +3134,7 @@
 </file>
 
 <file path=ppt/slideLayouts/slideLayout4.xml><?xml version="1.0" encoding="utf-8"?>
-<p:sldLayout xmlns:a="http://schemas.openxmlformats.org/drawingml/2006/main" xmlns:r="http://schemas.openxmlformats.org/officeDocument/2006/relationships" xmlns:p="http://schemas.openxmlformats.org/presentationml/2006/main" showMasterSp="0" type="secHead" preserve="1">
+<p:sldLayout xmlns:a="http://schemas.openxmlformats.org/drawingml/2006/main" xmlns:r="http://schemas.openxmlformats.org/officeDocument/2006/relationships" xmlns:p="http://schemas.openxmlformats.org/presentationml/2006/main" type="secHead" preserve="1">
   <p:cSld name="Hlavička sekcie">
     <p:spTree>
       <p:nvGrpSpPr>
@@ -4343,7 +4351,7 @@
 </file>
 
 <file path=ppt/slideLayouts/slideLayout8.xml><?xml version="1.0" encoding="utf-8"?>
-<p:sldLayout xmlns:a="http://schemas.openxmlformats.org/drawingml/2006/main" xmlns:r="http://schemas.openxmlformats.org/officeDocument/2006/relationships" xmlns:p="http://schemas.openxmlformats.org/presentationml/2006/main" showMasterSp="0" type="blank" preserve="1">
+<p:sldLayout xmlns:a="http://schemas.openxmlformats.org/drawingml/2006/main" xmlns:r="http://schemas.openxmlformats.org/officeDocument/2006/relationships" xmlns:p="http://schemas.openxmlformats.org/presentationml/2006/main" type="blank" preserve="1">
   <p:cSld name="Prázdna">
     <p:spTree>
       <p:nvGrpSpPr>
@@ -4744,9 +4752,12 @@
 <p:sldMaster xmlns:a="http://schemas.openxmlformats.org/drawingml/2006/main" xmlns:r="http://schemas.openxmlformats.org/officeDocument/2006/relationships" xmlns:p="http://schemas.openxmlformats.org/presentationml/2006/main">
   <p:cSld>
     <p:bg>
-      <p:bgRef idx="1001">
-        <a:schemeClr val="bg2"/>
-      </p:bgRef>
+      <p:bgPr>
+        <a:solidFill>
+          <a:schemeClr val="bg1"/>
+        </a:solidFill>
+        <a:effectLst/>
+      </p:bgPr>
     </p:bg>
     <p:spTree>
       <p:nvGrpSpPr>
@@ -5617,6 +5628,713 @@
 </p:sld>
 </file>
 
+<file path=ppt/slides/slide10.xml><?xml version="1.0" encoding="utf-8"?>
+<p:sld xmlns:a="http://schemas.openxmlformats.org/drawingml/2006/main" xmlns:r="http://schemas.openxmlformats.org/officeDocument/2006/relationships" xmlns:p="http://schemas.openxmlformats.org/presentationml/2006/main">
+  <p:cSld>
+    <p:spTree>
+      <p:nvGrpSpPr>
+        <p:cNvPr id="1" name=""/>
+        <p:cNvGrpSpPr/>
+        <p:nvPr/>
+      </p:nvGrpSpPr>
+      <p:grpSpPr>
+        <a:xfrm>
+          <a:off x="0" y="0"/>
+          <a:ext cx="0" cy="0"/>
+          <a:chOff x="0" y="0"/>
+          <a:chExt cx="0" cy="0"/>
+        </a:xfrm>
+      </p:grpSpPr>
+      <p:sp>
+        <p:nvSpPr>
+          <p:cNvPr id="2" name="Obdĺžnik 1"/>
+          <p:cNvSpPr/>
+          <p:nvPr/>
+        </p:nvSpPr>
+        <p:spPr>
+          <a:xfrm>
+            <a:off x="3834449" y="2906006"/>
+            <a:ext cx="4413389" cy="923330"/>
+          </a:xfrm>
+          <a:prstGeom prst="rect">
+            <a:avLst/>
+          </a:prstGeom>
+        </p:spPr>
+        <p:txBody>
+          <a:bodyPr wrap="none">
+            <a:spAutoFit/>
+          </a:bodyPr>
+          <a:lstStyle/>
+          <a:p>
+            <a:pPr algn="ctr"/>
+            <a:r>
+              <a:rPr lang="sk-SK" sz="5400" dirty="0" smtClean="0">
+                <a:solidFill>
+                  <a:srgbClr val="595959"/>
+                </a:solidFill>
+              </a:rPr>
+              <a:t>Správa  verzií</a:t>
+            </a:r>
+            <a:endParaRPr lang="sk-SK" sz="5400" dirty="0">
+              <a:solidFill>
+                <a:srgbClr val="595959"/>
+              </a:solidFill>
+            </a:endParaRPr>
+          </a:p>
+        </p:txBody>
+      </p:sp>
+    </p:spTree>
+    <p:extLst>
+      <p:ext uri="{BB962C8B-B14F-4D97-AF65-F5344CB8AC3E}">
+        <p14:creationId xmlns:p14="http://schemas.microsoft.com/office/powerpoint/2010/main" val="844742060"/>
+      </p:ext>
+    </p:extLst>
+  </p:cSld>
+  <p:clrMapOvr>
+    <a:masterClrMapping/>
+  </p:clrMapOvr>
+  <mc:AlternateContent xmlns:mc="http://schemas.openxmlformats.org/markup-compatibility/2006" xmlns:p14="http://schemas.microsoft.com/office/powerpoint/2010/main">
+    <mc:Choice Requires="p14">
+      <p:transition spd="med" p14:dur="700">
+        <p:fade/>
+      </p:transition>
+    </mc:Choice>
+    <mc:Fallback xmlns="">
+      <p:transition spd="med">
+        <p:fade/>
+      </p:transition>
+    </mc:Fallback>
+  </mc:AlternateContent>
+  <p:timing>
+    <p:tnLst>
+      <p:par>
+        <p:cTn id="1" dur="indefinite" restart="never" nodeType="tmRoot"/>
+      </p:par>
+    </p:tnLst>
+  </p:timing>
+</p:sld>
+</file>
+
+<file path=ppt/slides/slide11.xml><?xml version="1.0" encoding="utf-8"?>
+<p:sld xmlns:a="http://schemas.openxmlformats.org/drawingml/2006/main" xmlns:r="http://schemas.openxmlformats.org/officeDocument/2006/relationships" xmlns:p="http://schemas.openxmlformats.org/presentationml/2006/main">
+  <p:cSld>
+    <p:spTree>
+      <p:nvGrpSpPr>
+        <p:cNvPr id="1" name=""/>
+        <p:cNvGrpSpPr/>
+        <p:nvPr/>
+      </p:nvGrpSpPr>
+      <p:grpSpPr>
+        <a:xfrm>
+          <a:off x="0" y="0"/>
+          <a:ext cx="0" cy="0"/>
+          <a:chOff x="0" y="0"/>
+          <a:chExt cx="0" cy="0"/>
+        </a:xfrm>
+      </p:grpSpPr>
+      <p:sp>
+        <p:nvSpPr>
+          <p:cNvPr id="2" name="Nadpis 1"/>
+          <p:cNvSpPr>
+            <a:spLocks noGrp="1"/>
+          </p:cNvSpPr>
+          <p:nvPr>
+            <p:ph type="title"/>
+          </p:nvPr>
+        </p:nvSpPr>
+        <p:spPr/>
+        <p:txBody>
+          <a:bodyPr/>
+          <a:lstStyle/>
+          <a:p>
+            <a:r>
+              <a:rPr lang="sk-SK" dirty="0" smtClean="0"/>
+              <a:t>Správa verzií</a:t>
+            </a:r>
+            <a:endParaRPr lang="sk-SK" dirty="0"/>
+          </a:p>
+        </p:txBody>
+      </p:sp>
+      <p:sp>
+        <p:nvSpPr>
+          <p:cNvPr id="3" name="Zástupný symbol obsahu 2"/>
+          <p:cNvSpPr>
+            <a:spLocks noGrp="1"/>
+          </p:cNvSpPr>
+          <p:nvPr>
+            <p:ph idx="1"/>
+          </p:nvPr>
+        </p:nvSpPr>
+        <p:spPr/>
+        <p:txBody>
+          <a:bodyPr/>
+          <a:lstStyle/>
+          <a:p>
+            <a:endParaRPr lang="sk-SK"/>
+          </a:p>
+        </p:txBody>
+      </p:sp>
+    </p:spTree>
+    <p:extLst>
+      <p:ext uri="{BB962C8B-B14F-4D97-AF65-F5344CB8AC3E}">
+        <p14:creationId xmlns:p14="http://schemas.microsoft.com/office/powerpoint/2010/main" val="1754304128"/>
+      </p:ext>
+    </p:extLst>
+  </p:cSld>
+  <p:clrMapOvr>
+    <a:masterClrMapping/>
+  </p:clrMapOvr>
+  <mc:AlternateContent xmlns:mc="http://schemas.openxmlformats.org/markup-compatibility/2006" xmlns:p14="http://schemas.microsoft.com/office/powerpoint/2010/main">
+    <mc:Choice Requires="p14">
+      <p:transition spd="med" p14:dur="700">
+        <p:fade/>
+      </p:transition>
+    </mc:Choice>
+    <mc:Fallback xmlns="">
+      <p:transition spd="med">
+        <p:fade/>
+      </p:transition>
+    </mc:Fallback>
+  </mc:AlternateContent>
+  <p:timing>
+    <p:tnLst>
+      <p:par>
+        <p:cTn id="1" dur="indefinite" restart="never" nodeType="tmRoot"/>
+      </p:par>
+    </p:tnLst>
+  </p:timing>
+</p:sld>
+</file>
+
+<file path=ppt/slides/slide12.xml><?xml version="1.0" encoding="utf-8"?>
+<p:sld xmlns:a="http://schemas.openxmlformats.org/drawingml/2006/main" xmlns:r="http://schemas.openxmlformats.org/officeDocument/2006/relationships" xmlns:p="http://schemas.openxmlformats.org/presentationml/2006/main">
+  <p:cSld>
+    <p:spTree>
+      <p:nvGrpSpPr>
+        <p:cNvPr id="1" name=""/>
+        <p:cNvGrpSpPr/>
+        <p:nvPr/>
+      </p:nvGrpSpPr>
+      <p:grpSpPr>
+        <a:xfrm>
+          <a:off x="0" y="0"/>
+          <a:ext cx="0" cy="0"/>
+          <a:chOff x="0" y="0"/>
+          <a:chExt cx="0" cy="0"/>
+        </a:xfrm>
+      </p:grpSpPr>
+      <p:sp>
+        <p:nvSpPr>
+          <p:cNvPr id="2" name="Obdĺžnik 1"/>
+          <p:cNvSpPr/>
+          <p:nvPr/>
+        </p:nvSpPr>
+        <p:spPr>
+          <a:xfrm>
+            <a:off x="2900702" y="2906006"/>
+            <a:ext cx="6280887" cy="923330"/>
+          </a:xfrm>
+          <a:prstGeom prst="rect">
+            <a:avLst/>
+          </a:prstGeom>
+        </p:spPr>
+        <p:txBody>
+          <a:bodyPr wrap="none">
+            <a:spAutoFit/>
+          </a:bodyPr>
+          <a:lstStyle/>
+          <a:p>
+            <a:pPr algn="ctr"/>
+            <a:r>
+              <a:rPr lang="sk-SK" sz="5400" dirty="0" smtClean="0">
+                <a:solidFill>
+                  <a:srgbClr val="595959"/>
+                </a:solidFill>
+              </a:rPr>
+              <a:t>Zostavenie systému</a:t>
+            </a:r>
+            <a:endParaRPr lang="sk-SK" sz="5400" dirty="0">
+              <a:solidFill>
+                <a:srgbClr val="595959"/>
+              </a:solidFill>
+            </a:endParaRPr>
+          </a:p>
+        </p:txBody>
+      </p:sp>
+    </p:spTree>
+    <p:extLst>
+      <p:ext uri="{BB962C8B-B14F-4D97-AF65-F5344CB8AC3E}">
+        <p14:creationId xmlns:p14="http://schemas.microsoft.com/office/powerpoint/2010/main" val="3384020815"/>
+      </p:ext>
+    </p:extLst>
+  </p:cSld>
+  <p:clrMapOvr>
+    <a:masterClrMapping/>
+  </p:clrMapOvr>
+  <mc:AlternateContent xmlns:mc="http://schemas.openxmlformats.org/markup-compatibility/2006" xmlns:p14="http://schemas.microsoft.com/office/powerpoint/2010/main">
+    <mc:Choice Requires="p14">
+      <p:transition spd="med" p14:dur="700">
+        <p:fade/>
+      </p:transition>
+    </mc:Choice>
+    <mc:Fallback xmlns="">
+      <p:transition spd="med">
+        <p:fade/>
+      </p:transition>
+    </mc:Fallback>
+  </mc:AlternateContent>
+  <p:timing>
+    <p:tnLst>
+      <p:par>
+        <p:cTn id="1" dur="indefinite" restart="never" nodeType="tmRoot"/>
+      </p:par>
+    </p:tnLst>
+  </p:timing>
+</p:sld>
+</file>
+
+<file path=ppt/slides/slide13.xml><?xml version="1.0" encoding="utf-8"?>
+<p:sld xmlns:a="http://schemas.openxmlformats.org/drawingml/2006/main" xmlns:r="http://schemas.openxmlformats.org/officeDocument/2006/relationships" xmlns:p="http://schemas.openxmlformats.org/presentationml/2006/main">
+  <p:cSld>
+    <p:spTree>
+      <p:nvGrpSpPr>
+        <p:cNvPr id="1" name=""/>
+        <p:cNvGrpSpPr/>
+        <p:nvPr/>
+      </p:nvGrpSpPr>
+      <p:grpSpPr>
+        <a:xfrm>
+          <a:off x="0" y="0"/>
+          <a:ext cx="0" cy="0"/>
+          <a:chOff x="0" y="0"/>
+          <a:chExt cx="0" cy="0"/>
+        </a:xfrm>
+      </p:grpSpPr>
+      <p:sp>
+        <p:nvSpPr>
+          <p:cNvPr id="2" name="Nadpis 1"/>
+          <p:cNvSpPr>
+            <a:spLocks noGrp="1"/>
+          </p:cNvSpPr>
+          <p:nvPr>
+            <p:ph type="title"/>
+          </p:nvPr>
+        </p:nvSpPr>
+        <p:spPr/>
+        <p:txBody>
+          <a:bodyPr/>
+          <a:lstStyle/>
+          <a:p>
+            <a:r>
+              <a:rPr lang="sk-SK" dirty="0" smtClean="0"/>
+              <a:t>Zostavenie systému</a:t>
+            </a:r>
+            <a:endParaRPr lang="sk-SK" dirty="0"/>
+          </a:p>
+        </p:txBody>
+      </p:sp>
+      <p:sp>
+        <p:nvSpPr>
+          <p:cNvPr id="3" name="Zástupný symbol obsahu 2"/>
+          <p:cNvSpPr>
+            <a:spLocks noGrp="1"/>
+          </p:cNvSpPr>
+          <p:nvPr>
+            <p:ph idx="1"/>
+          </p:nvPr>
+        </p:nvSpPr>
+        <p:spPr/>
+        <p:txBody>
+          <a:bodyPr/>
+          <a:lstStyle/>
+          <a:p>
+            <a:endParaRPr lang="sk-SK"/>
+          </a:p>
+        </p:txBody>
+      </p:sp>
+    </p:spTree>
+    <p:extLst>
+      <p:ext uri="{BB962C8B-B14F-4D97-AF65-F5344CB8AC3E}">
+        <p14:creationId xmlns:p14="http://schemas.microsoft.com/office/powerpoint/2010/main" val="942674995"/>
+      </p:ext>
+    </p:extLst>
+  </p:cSld>
+  <p:clrMapOvr>
+    <a:masterClrMapping/>
+  </p:clrMapOvr>
+  <mc:AlternateContent xmlns:mc="http://schemas.openxmlformats.org/markup-compatibility/2006" xmlns:p14="http://schemas.microsoft.com/office/powerpoint/2010/main">
+    <mc:Choice Requires="p14">
+      <p:transition spd="med" p14:dur="700">
+        <p:fade/>
+      </p:transition>
+    </mc:Choice>
+    <mc:Fallback xmlns="">
+      <p:transition spd="med">
+        <p:fade/>
+      </p:transition>
+    </mc:Fallback>
+  </mc:AlternateContent>
+  <p:timing>
+    <p:tnLst>
+      <p:par>
+        <p:cTn id="1" dur="indefinite" restart="never" nodeType="tmRoot"/>
+      </p:par>
+    </p:tnLst>
+  </p:timing>
+</p:sld>
+</file>
+
+<file path=ppt/slides/slide14.xml><?xml version="1.0" encoding="utf-8"?>
+<p:sld xmlns:a="http://schemas.openxmlformats.org/drawingml/2006/main" xmlns:r="http://schemas.openxmlformats.org/officeDocument/2006/relationships" xmlns:p="http://schemas.openxmlformats.org/presentationml/2006/main">
+  <p:cSld>
+    <p:spTree>
+      <p:nvGrpSpPr>
+        <p:cNvPr id="1" name=""/>
+        <p:cNvGrpSpPr/>
+        <p:nvPr/>
+      </p:nvGrpSpPr>
+      <p:grpSpPr>
+        <a:xfrm>
+          <a:off x="0" y="0"/>
+          <a:ext cx="0" cy="0"/>
+          <a:chOff x="0" y="0"/>
+          <a:chExt cx="0" cy="0"/>
+        </a:xfrm>
+      </p:grpSpPr>
+      <p:sp>
+        <p:nvSpPr>
+          <p:cNvPr id="2" name="Obdĺžnik 1"/>
+          <p:cNvSpPr/>
+          <p:nvPr/>
+        </p:nvSpPr>
+        <p:spPr>
+          <a:xfrm>
+            <a:off x="3458544" y="2906006"/>
+            <a:ext cx="5165197" cy="923330"/>
+          </a:xfrm>
+          <a:prstGeom prst="rect">
+            <a:avLst/>
+          </a:prstGeom>
+        </p:spPr>
+        <p:txBody>
+          <a:bodyPr wrap="none">
+            <a:spAutoFit/>
+          </a:bodyPr>
+          <a:lstStyle/>
+          <a:p>
+            <a:pPr algn="ctr"/>
+            <a:r>
+              <a:rPr lang="sk-SK" sz="5400" dirty="0" smtClean="0">
+                <a:solidFill>
+                  <a:srgbClr val="595959"/>
+                </a:solidFill>
+              </a:rPr>
+              <a:t>Správa  vydania</a:t>
+            </a:r>
+            <a:endParaRPr lang="sk-SK" sz="5400" dirty="0">
+              <a:solidFill>
+                <a:srgbClr val="595959"/>
+              </a:solidFill>
+            </a:endParaRPr>
+          </a:p>
+        </p:txBody>
+      </p:sp>
+    </p:spTree>
+    <p:extLst>
+      <p:ext uri="{BB962C8B-B14F-4D97-AF65-F5344CB8AC3E}">
+        <p14:creationId xmlns:p14="http://schemas.microsoft.com/office/powerpoint/2010/main" val="661885958"/>
+      </p:ext>
+    </p:extLst>
+  </p:cSld>
+  <p:clrMapOvr>
+    <a:masterClrMapping/>
+  </p:clrMapOvr>
+  <mc:AlternateContent xmlns:mc="http://schemas.openxmlformats.org/markup-compatibility/2006" xmlns:p14="http://schemas.microsoft.com/office/powerpoint/2010/main">
+    <mc:Choice Requires="p14">
+      <p:transition spd="med" p14:dur="700">
+        <p:fade/>
+      </p:transition>
+    </mc:Choice>
+    <mc:Fallback xmlns="">
+      <p:transition spd="med">
+        <p:fade/>
+      </p:transition>
+    </mc:Fallback>
+  </mc:AlternateContent>
+  <p:timing>
+    <p:tnLst>
+      <p:par>
+        <p:cTn id="1" dur="indefinite" restart="never" nodeType="tmRoot"/>
+      </p:par>
+    </p:tnLst>
+  </p:timing>
+</p:sld>
+</file>
+
+<file path=ppt/slides/slide15.xml><?xml version="1.0" encoding="utf-8"?>
+<p:sld xmlns:a="http://schemas.openxmlformats.org/drawingml/2006/main" xmlns:r="http://schemas.openxmlformats.org/officeDocument/2006/relationships" xmlns:p="http://schemas.openxmlformats.org/presentationml/2006/main">
+  <p:cSld>
+    <p:spTree>
+      <p:nvGrpSpPr>
+        <p:cNvPr id="1" name=""/>
+        <p:cNvGrpSpPr/>
+        <p:nvPr/>
+      </p:nvGrpSpPr>
+      <p:grpSpPr>
+        <a:xfrm>
+          <a:off x="0" y="0"/>
+          <a:ext cx="0" cy="0"/>
+          <a:chOff x="0" y="0"/>
+          <a:chExt cx="0" cy="0"/>
+        </a:xfrm>
+      </p:grpSpPr>
+      <p:sp>
+        <p:nvSpPr>
+          <p:cNvPr id="2" name="Nadpis 1"/>
+          <p:cNvSpPr>
+            <a:spLocks noGrp="1"/>
+          </p:cNvSpPr>
+          <p:nvPr>
+            <p:ph type="title"/>
+          </p:nvPr>
+        </p:nvSpPr>
+        <p:spPr/>
+        <p:txBody>
+          <a:bodyPr/>
+          <a:lstStyle/>
+          <a:p>
+            <a:r>
+              <a:rPr lang="sk-SK" dirty="0" smtClean="0"/>
+              <a:t>Správa vydania</a:t>
+            </a:r>
+            <a:endParaRPr lang="sk-SK" dirty="0"/>
+          </a:p>
+        </p:txBody>
+      </p:sp>
+      <p:sp>
+        <p:nvSpPr>
+          <p:cNvPr id="3" name="Zástupný symbol obsahu 2"/>
+          <p:cNvSpPr>
+            <a:spLocks noGrp="1"/>
+          </p:cNvSpPr>
+          <p:nvPr>
+            <p:ph idx="1"/>
+          </p:nvPr>
+        </p:nvSpPr>
+        <p:spPr/>
+        <p:txBody>
+          <a:bodyPr/>
+          <a:lstStyle/>
+          <a:p>
+            <a:endParaRPr lang="sk-SK"/>
+          </a:p>
+        </p:txBody>
+      </p:sp>
+    </p:spTree>
+    <p:extLst>
+      <p:ext uri="{BB962C8B-B14F-4D97-AF65-F5344CB8AC3E}">
+        <p14:creationId xmlns:p14="http://schemas.microsoft.com/office/powerpoint/2010/main" val="3580497272"/>
+      </p:ext>
+    </p:extLst>
+  </p:cSld>
+  <p:clrMapOvr>
+    <a:masterClrMapping/>
+  </p:clrMapOvr>
+  <mc:AlternateContent xmlns:mc="http://schemas.openxmlformats.org/markup-compatibility/2006" xmlns:p14="http://schemas.microsoft.com/office/powerpoint/2010/main">
+    <mc:Choice Requires="p14">
+      <p:transition spd="med" p14:dur="700">
+        <p:fade/>
+      </p:transition>
+    </mc:Choice>
+    <mc:Fallback xmlns="">
+      <p:transition spd="med">
+        <p:fade/>
+      </p:transition>
+    </mc:Fallback>
+  </mc:AlternateContent>
+  <p:timing>
+    <p:tnLst>
+      <p:par>
+        <p:cTn id="1" dur="indefinite" restart="never" nodeType="tmRoot"/>
+      </p:par>
+    </p:tnLst>
+  </p:timing>
+</p:sld>
+</file>
+
+<file path=ppt/slides/slide16.xml><?xml version="1.0" encoding="utf-8"?>
+<p:sld xmlns:a="http://schemas.openxmlformats.org/drawingml/2006/main" xmlns:r="http://schemas.openxmlformats.org/officeDocument/2006/relationships" xmlns:p="http://schemas.openxmlformats.org/presentationml/2006/main">
+  <p:cSld>
+    <p:spTree>
+      <p:nvGrpSpPr>
+        <p:cNvPr id="1" name=""/>
+        <p:cNvGrpSpPr/>
+        <p:nvPr/>
+      </p:nvGrpSpPr>
+      <p:grpSpPr>
+        <a:xfrm>
+          <a:off x="0" y="0"/>
+          <a:ext cx="0" cy="0"/>
+          <a:chOff x="0" y="0"/>
+          <a:chExt cx="0" cy="0"/>
+        </a:xfrm>
+      </p:grpSpPr>
+      <p:sp>
+        <p:nvSpPr>
+          <p:cNvPr id="2" name="Nadpis 1"/>
+          <p:cNvSpPr>
+            <a:spLocks noGrp="1"/>
+          </p:cNvSpPr>
+          <p:nvPr>
+            <p:ph type="title"/>
+          </p:nvPr>
+        </p:nvSpPr>
+        <p:spPr/>
+        <p:txBody>
+          <a:bodyPr/>
+          <a:lstStyle/>
+          <a:p>
+            <a:r>
+              <a:rPr lang="sk-SK" dirty="0" smtClean="0"/>
+              <a:t>Zdroje</a:t>
+            </a:r>
+            <a:endParaRPr lang="sk-SK" dirty="0"/>
+          </a:p>
+        </p:txBody>
+      </p:sp>
+      <p:sp>
+        <p:nvSpPr>
+          <p:cNvPr id="3" name="Zástupný symbol obsahu 2"/>
+          <p:cNvSpPr>
+            <a:spLocks noGrp="1"/>
+          </p:cNvSpPr>
+          <p:nvPr>
+            <p:ph idx="1"/>
+          </p:nvPr>
+        </p:nvSpPr>
+        <p:spPr/>
+        <p:txBody>
+          <a:bodyPr/>
+          <a:lstStyle/>
+          <a:p>
+            <a:endParaRPr lang="sk-SK" dirty="0"/>
+          </a:p>
+        </p:txBody>
+      </p:sp>
+    </p:spTree>
+    <p:extLst>
+      <p:ext uri="{BB962C8B-B14F-4D97-AF65-F5344CB8AC3E}">
+        <p14:creationId xmlns:p14="http://schemas.microsoft.com/office/powerpoint/2010/main" val="623721214"/>
+      </p:ext>
+    </p:extLst>
+  </p:cSld>
+  <p:clrMapOvr>
+    <a:masterClrMapping/>
+  </p:clrMapOvr>
+  <mc:AlternateContent xmlns:mc="http://schemas.openxmlformats.org/markup-compatibility/2006" xmlns:p14="http://schemas.microsoft.com/office/powerpoint/2010/main">
+    <mc:Choice Requires="p14">
+      <p:transition spd="med" p14:dur="700">
+        <p:fade/>
+      </p:transition>
+    </mc:Choice>
+    <mc:Fallback xmlns="">
+      <p:transition spd="med">
+        <p:fade/>
+      </p:transition>
+    </mc:Fallback>
+  </mc:AlternateContent>
+  <p:timing>
+    <p:tnLst>
+      <p:par>
+        <p:cTn id="1" dur="indefinite" restart="never" nodeType="tmRoot"/>
+      </p:par>
+    </p:tnLst>
+  </p:timing>
+</p:sld>
+</file>
+
+<file path=ppt/slides/slide17.xml><?xml version="1.0" encoding="utf-8"?>
+<p:sld xmlns:a="http://schemas.openxmlformats.org/drawingml/2006/main" xmlns:r="http://schemas.openxmlformats.org/officeDocument/2006/relationships" xmlns:p="http://schemas.openxmlformats.org/presentationml/2006/main">
+  <p:cSld>
+    <p:spTree>
+      <p:nvGrpSpPr>
+        <p:cNvPr id="1" name=""/>
+        <p:cNvGrpSpPr/>
+        <p:nvPr/>
+      </p:nvGrpSpPr>
+      <p:grpSpPr>
+        <a:xfrm>
+          <a:off x="0" y="0"/>
+          <a:ext cx="0" cy="0"/>
+          <a:chOff x="0" y="0"/>
+          <a:chExt cx="0" cy="0"/>
+        </a:xfrm>
+      </p:grpSpPr>
+      <p:sp>
+        <p:nvSpPr>
+          <p:cNvPr id="2" name="Obdĺžnik 1"/>
+          <p:cNvSpPr/>
+          <p:nvPr/>
+        </p:nvSpPr>
+        <p:spPr>
+          <a:xfrm>
+            <a:off x="3093451" y="2915150"/>
+            <a:ext cx="5758308" cy="707886"/>
+          </a:xfrm>
+          <a:prstGeom prst="rect">
+            <a:avLst/>
+          </a:prstGeom>
+        </p:spPr>
+        <p:txBody>
+          <a:bodyPr wrap="none">
+            <a:spAutoFit/>
+          </a:bodyPr>
+          <a:lstStyle/>
+          <a:p>
+            <a:pPr algn="ctr"/>
+            <a:r>
+              <a:rPr lang="sk-SK" sz="4000" dirty="0">
+                <a:solidFill>
+                  <a:srgbClr val="595959"/>
+                </a:solidFill>
+              </a:rPr>
+              <a:t>Ďakujeme za pozornosť!</a:t>
+            </a:r>
+          </a:p>
+        </p:txBody>
+      </p:sp>
+    </p:spTree>
+    <p:extLst>
+      <p:ext uri="{BB962C8B-B14F-4D97-AF65-F5344CB8AC3E}">
+        <p14:creationId xmlns:p14="http://schemas.microsoft.com/office/powerpoint/2010/main" val="1027478751"/>
+      </p:ext>
+    </p:extLst>
+  </p:cSld>
+  <p:clrMapOvr>
+    <a:masterClrMapping/>
+  </p:clrMapOvr>
+  <mc:AlternateContent xmlns:mc="http://schemas.openxmlformats.org/markup-compatibility/2006" xmlns:p14="http://schemas.microsoft.com/office/powerpoint/2010/main">
+    <mc:Choice Requires="p14">
+      <p:transition spd="med" p14:dur="700">
+        <p:fade/>
+      </p:transition>
+    </mc:Choice>
+    <mc:Fallback xmlns="">
+      <p:transition spd="med">
+        <p:fade/>
+      </p:transition>
+    </mc:Fallback>
+  </mc:AlternateContent>
+  <p:timing>
+    <p:tnLst>
+      <p:par>
+        <p:cTn id="1" dur="indefinite" restart="never" nodeType="tmRoot"/>
+      </p:par>
+    </p:tnLst>
+  </p:timing>
+</p:sld>
+</file>
+
 <file path=ppt/slides/slide2.xml><?xml version="1.0" encoding="utf-8"?>
 <p:sld xmlns:a="http://schemas.openxmlformats.org/drawingml/2006/main" xmlns:r="http://schemas.openxmlformats.org/officeDocument/2006/relationships" xmlns:p="http://schemas.openxmlformats.org/presentationml/2006/main">
   <p:cSld>
@@ -5649,71 +6367,75 @@
           <a:bodyPr/>
           <a:lstStyle/>
           <a:p>
-            <a:pPr algn="l" defTabSz="914400">
-              <a:lnSpc>
-                <a:spcPct val="90000"/>
-              </a:lnSpc>
-              <a:spcBef>
-                <a:spcPts val="0"/>
-              </a:spcBef>
-              <a:buNone/>
-            </a:pPr>
-            <a:r>
-              <a:rPr lang="sk-SK" dirty="0" smtClean="0">
-                <a:latin typeface="Book Antiqua"/>
-              </a:rPr>
+            <a:r>
+              <a:rPr lang="sk-SK" dirty="0" smtClean="0"/>
+              <a:t>Obsah</a:t>
+            </a:r>
+            <a:endParaRPr lang="sk-SK" dirty="0"/>
+          </a:p>
+        </p:txBody>
+      </p:sp>
+      <p:sp>
+        <p:nvSpPr>
+          <p:cNvPr id="3" name="Zástupný symbol obsahu 2"/>
+          <p:cNvSpPr>
+            <a:spLocks noGrp="1"/>
+          </p:cNvSpPr>
+          <p:nvPr>
+            <p:ph idx="1"/>
+          </p:nvPr>
+        </p:nvSpPr>
+        <p:spPr/>
+        <p:txBody>
+          <a:bodyPr/>
+          <a:lstStyle/>
+          <a:p>
+            <a:r>
+              <a:rPr lang="sk-SK" dirty="0" smtClean="0"/>
               <a:t>Úvod</a:t>
             </a:r>
-            <a:endParaRPr lang="sk-SK" sz="3200" b="0" i="0" dirty="0">
-              <a:solidFill>
-                <a:schemeClr val="bg1"/>
-              </a:solidFill>
-              <a:latin typeface="Book Antiqua"/>
-              <a:ea typeface="+mj-ea"/>
-              <a:cs typeface="+mj-cs"/>
-            </a:endParaRPr>
-          </a:p>
-        </p:txBody>
-      </p:sp>
-      <p:sp>
-        <p:nvSpPr>
-          <p:cNvPr id="3" name="Zástupný symbol obsahu 2"/>
-          <p:cNvSpPr>
-            <a:spLocks noGrp="1"/>
-          </p:cNvSpPr>
-          <p:nvPr>
-            <p:ph idx="1"/>
-          </p:nvPr>
-        </p:nvSpPr>
-        <p:spPr/>
-        <p:txBody>
-          <a:bodyPr/>
-          <a:lstStyle/>
-          <a:p>
-            <a:pPr marL="0" indent="0" algn="l" defTabSz="914400">
-              <a:lnSpc>
-                <a:spcPct val="90000"/>
-              </a:lnSpc>
-              <a:spcBef>
-                <a:spcPts val="1800"/>
-              </a:spcBef>
-              <a:buClr>
-                <a:srgbClr val="595959"/>
-              </a:buClr>
-              <a:buNone/>
-            </a:pPr>
-            <a:endParaRPr lang="sk-SK" sz="2400" b="0" i="0" dirty="0">
-              <a:latin typeface="Book Antiqua"/>
-              <a:ea typeface="+mn-ea"/>
-              <a:cs typeface="+mn-cs"/>
-            </a:endParaRPr>
+          </a:p>
+          <a:p>
+            <a:r>
+              <a:rPr lang="sk-SK" dirty="0" smtClean="0"/>
+              <a:t>Správa </a:t>
+            </a:r>
+            <a:r>
+              <a:rPr lang="sk-SK" dirty="0" smtClean="0"/>
+              <a:t>zmien</a:t>
+            </a:r>
+          </a:p>
+          <a:p>
+            <a:r>
+              <a:rPr lang="sk-SK" dirty="0" smtClean="0"/>
+              <a:t>Správa verzií</a:t>
+            </a:r>
+          </a:p>
+          <a:p>
+            <a:r>
+              <a:rPr lang="sk-SK" dirty="0" smtClean="0"/>
+              <a:t>Zostavenie systému</a:t>
+            </a:r>
+          </a:p>
+          <a:p>
+            <a:r>
+              <a:rPr lang="sk-SK" dirty="0" smtClean="0"/>
+              <a:t>Správa </a:t>
+            </a:r>
+            <a:r>
+              <a:rPr lang="sk-SK" dirty="0" smtClean="0"/>
+              <a:t>vydania</a:t>
+            </a:r>
+          </a:p>
+          <a:p>
+            <a:endParaRPr lang="sk-SK" dirty="0"/>
           </a:p>
         </p:txBody>
       </p:sp>
     </p:spTree>
     <p:extLst>
       <p:ext uri="{BB962C8B-B14F-4D97-AF65-F5344CB8AC3E}">
-        <p14:creationId xmlns:p14="http://schemas.microsoft.com/office/powerpoint/2010/main" val="3639872359"/>
+        <p14:creationId xmlns:p14="http://schemas.microsoft.com/office/powerpoint/2010/main" val="283000878"/>
       </p:ext>
     </p:extLst>
   </p:cSld>
@@ -5761,72 +6483,46 @@
       </p:grpSpPr>
       <p:sp>
         <p:nvSpPr>
-          <p:cNvPr id="2" name="Nadpis 1"/>
-          <p:cNvSpPr>
-            <a:spLocks noGrp="1"/>
-          </p:cNvSpPr>
-          <p:nvPr>
-            <p:ph type="title"/>
-          </p:nvPr>
-        </p:nvSpPr>
-        <p:spPr/>
-        <p:txBody>
-          <a:bodyPr/>
-          <a:lstStyle/>
-          <a:p>
-            <a:r>
-              <a:rPr lang="sk-SK" dirty="0" smtClean="0"/>
-              <a:t>Obsah</a:t>
-            </a:r>
-            <a:endParaRPr lang="sk-SK" dirty="0"/>
-          </a:p>
-        </p:txBody>
-      </p:sp>
-      <p:sp>
-        <p:nvSpPr>
-          <p:cNvPr id="3" name="Zástupný symbol obsahu 2"/>
-          <p:cNvSpPr>
-            <a:spLocks noGrp="1"/>
-          </p:cNvSpPr>
-          <p:nvPr>
-            <p:ph idx="1"/>
-          </p:nvPr>
-        </p:nvSpPr>
-        <p:spPr/>
-        <p:txBody>
-          <a:bodyPr/>
-          <a:lstStyle/>
-          <a:p>
-            <a:r>
-              <a:rPr lang="sk-SK" dirty="0" smtClean="0"/>
-              <a:t>Správa zmien</a:t>
-            </a:r>
-          </a:p>
-          <a:p>
-            <a:r>
-              <a:rPr lang="sk-SK" dirty="0" smtClean="0"/>
-              <a:t>Správa verzií</a:t>
-            </a:r>
-          </a:p>
-          <a:p>
-            <a:r>
-              <a:rPr lang="sk-SK" dirty="0" smtClean="0"/>
-              <a:t>Zostavenie systému</a:t>
-            </a:r>
-          </a:p>
-          <a:p>
-            <a:r>
-              <a:rPr lang="sk-SK" dirty="0" smtClean="0"/>
-              <a:t>Správa vydania</a:t>
-            </a:r>
-            <a:endParaRPr lang="sk-SK" dirty="0"/>
+          <p:cNvPr id="2" name="Obdĺžnik 1"/>
+          <p:cNvSpPr/>
+          <p:nvPr/>
+        </p:nvSpPr>
+        <p:spPr>
+          <a:xfrm>
+            <a:off x="5083184" y="2906006"/>
+            <a:ext cx="1915909" cy="923330"/>
+          </a:xfrm>
+          <a:prstGeom prst="rect">
+            <a:avLst/>
+          </a:prstGeom>
+        </p:spPr>
+        <p:txBody>
+          <a:bodyPr wrap="none">
+            <a:spAutoFit/>
+          </a:bodyPr>
+          <a:lstStyle/>
+          <a:p>
+            <a:pPr algn="ctr"/>
+            <a:r>
+              <a:rPr lang="sk-SK" sz="5400" dirty="0" smtClean="0">
+                <a:solidFill>
+                  <a:srgbClr val="595959"/>
+                </a:solidFill>
+              </a:rPr>
+              <a:t>Úvod</a:t>
+            </a:r>
+            <a:endParaRPr lang="sk-SK" sz="5400" dirty="0">
+              <a:solidFill>
+                <a:srgbClr val="595959"/>
+              </a:solidFill>
+            </a:endParaRPr>
           </a:p>
         </p:txBody>
       </p:sp>
     </p:spTree>
     <p:extLst>
       <p:ext uri="{BB962C8B-B14F-4D97-AF65-F5344CB8AC3E}">
-        <p14:creationId xmlns:p14="http://schemas.microsoft.com/office/powerpoint/2010/main" val="283000878"/>
+        <p14:creationId xmlns:p14="http://schemas.microsoft.com/office/powerpoint/2010/main" val="1379594272"/>
       </p:ext>
     </p:extLst>
   </p:cSld>
@@ -5845,6 +6541,13 @@
       </p:transition>
     </mc:Fallback>
   </mc:AlternateContent>
+  <p:timing>
+    <p:tnLst>
+      <p:par>
+        <p:cTn id="1" dur="indefinite" restart="never" nodeType="tmRoot"/>
+      </p:par>
+    </p:tnLst>
+  </p:timing>
 </p:sld>
 </file>
 
@@ -5880,15 +6583,29 @@
           <a:bodyPr/>
           <a:lstStyle/>
           <a:p>
-            <a:r>
-              <a:rPr lang="sk-SK" dirty="0"/>
-              <a:t>Správa </a:t>
-            </a:r>
-            <a:r>
-              <a:rPr lang="sk-SK" dirty="0" smtClean="0"/>
-              <a:t>zmien</a:t>
-            </a:r>
-            <a:endParaRPr lang="sk-SK" dirty="0"/>
+            <a:pPr algn="l" defTabSz="914400">
+              <a:lnSpc>
+                <a:spcPct val="90000"/>
+              </a:lnSpc>
+              <a:spcBef>
+                <a:spcPts val="0"/>
+              </a:spcBef>
+              <a:buNone/>
+            </a:pPr>
+            <a:r>
+              <a:rPr lang="sk-SK" dirty="0" smtClean="0">
+                <a:latin typeface="Book Antiqua"/>
+              </a:rPr>
+              <a:t>Úvod</a:t>
+            </a:r>
+            <a:endParaRPr lang="sk-SK" sz="3200" b="0" i="0" dirty="0">
+              <a:solidFill>
+                <a:schemeClr val="bg1"/>
+              </a:solidFill>
+              <a:latin typeface="Book Antiqua"/>
+              <a:ea typeface="+mj-ea"/>
+              <a:cs typeface="+mj-cs"/>
+            </a:endParaRPr>
           </a:p>
         </p:txBody>
       </p:sp>
@@ -5907,32 +6624,136 @@
           <a:bodyPr/>
           <a:lstStyle/>
           <a:p>
-            <a:endParaRPr lang="sk-SK"/>
+            <a:pPr marL="0" indent="0" algn="l" defTabSz="914400">
+              <a:lnSpc>
+                <a:spcPct val="90000"/>
+              </a:lnSpc>
+              <a:spcBef>
+                <a:spcPts val="1800"/>
+              </a:spcBef>
+              <a:buClr>
+                <a:srgbClr val="595959"/>
+              </a:buClr>
+              <a:buNone/>
+            </a:pPr>
+            <a:r>
+              <a:rPr lang="sk-SK" sz="2400" b="0" i="0" dirty="0" smtClean="0">
+                <a:latin typeface="Book Antiqua"/>
+                <a:ea typeface="+mn-ea"/>
+                <a:cs typeface="+mn-cs"/>
+              </a:rPr>
+              <a:t>Softvér sa neustále mení</a:t>
+            </a:r>
+          </a:p>
+          <a:p>
+            <a:pPr lvl="1">
+              <a:buClr>
+                <a:srgbClr val="595959"/>
+              </a:buClr>
+            </a:pPr>
+            <a:r>
+              <a:rPr lang="sk-SK" dirty="0">
+                <a:latin typeface="Book Antiqua"/>
+              </a:rPr>
+              <a:t>o</a:t>
+            </a:r>
+            <a:r>
+              <a:rPr lang="sk-SK" dirty="0" smtClean="0">
+                <a:latin typeface="Book Antiqua"/>
+              </a:rPr>
+              <a:t>prava chýb</a:t>
+            </a:r>
+          </a:p>
+          <a:p>
+            <a:pPr lvl="1">
+              <a:buClr>
+                <a:srgbClr val="595959"/>
+              </a:buClr>
+            </a:pPr>
+            <a:r>
+              <a:rPr lang="sk-SK" dirty="0">
+                <a:latin typeface="Book Antiqua"/>
+              </a:rPr>
+              <a:t>z</a:t>
+            </a:r>
+            <a:r>
+              <a:rPr lang="sk-SK" dirty="0" smtClean="0">
+                <a:latin typeface="Book Antiqua"/>
+              </a:rPr>
+              <a:t>mena požiadaviek</a:t>
+            </a:r>
+          </a:p>
+          <a:p>
+            <a:pPr lvl="1">
+              <a:buClr>
+                <a:srgbClr val="595959"/>
+              </a:buClr>
+            </a:pPr>
+            <a:r>
+              <a:rPr lang="sk-SK" dirty="0" smtClean="0">
+                <a:latin typeface="Book Antiqua"/>
+              </a:rPr>
+              <a:t>systémové a hardvérové zmeny</a:t>
+            </a:r>
+          </a:p>
+          <a:p>
+            <a:pPr lvl="1">
+              <a:buClr>
+                <a:srgbClr val="595959"/>
+              </a:buClr>
+            </a:pPr>
+            <a:r>
+              <a:rPr lang="sk-SK" dirty="0" smtClean="0">
+                <a:latin typeface="Book Antiqua"/>
+              </a:rPr>
+              <a:t>konkurencia</a:t>
+            </a:r>
+          </a:p>
+          <a:p>
+            <a:pPr marL="0" indent="0">
+              <a:buClr>
+                <a:srgbClr val="595959"/>
+              </a:buClr>
+              <a:buNone/>
+            </a:pPr>
+            <a:r>
+              <a:rPr lang="sk-SK" dirty="0" smtClean="0">
+                <a:latin typeface="Book Antiqua"/>
+              </a:rPr>
+              <a:t>Správa konfigurácie(CM) - zásady, procesy a nástroje na správu meniacich sa softvérových systémov.</a:t>
+            </a:r>
           </a:p>
         </p:txBody>
       </p:sp>
     </p:spTree>
     <p:extLst>
       <p:ext uri="{BB962C8B-B14F-4D97-AF65-F5344CB8AC3E}">
-        <p14:creationId xmlns:p14="http://schemas.microsoft.com/office/powerpoint/2010/main" val="1206756710"/>
+        <p14:creationId xmlns:p14="http://schemas.microsoft.com/office/powerpoint/2010/main" val="3639872359"/>
       </p:ext>
     </p:extLst>
   </p:cSld>
   <p:clrMapOvr>
     <a:masterClrMapping/>
   </p:clrMapOvr>
-  <mc:AlternateContent xmlns:mc="http://schemas.openxmlformats.org/markup-compatibility/2006">
-    <mc:Choice xmlns:p14="http://schemas.microsoft.com/office/powerpoint/2010/main" Requires="p14">
+  <mc:AlternateContent xmlns:mc="http://schemas.openxmlformats.org/markup-compatibility/2006" xmlns:p14="http://schemas.microsoft.com/office/powerpoint/2010/main">
+    <mc:Choice Requires="p14">
       <p:transition spd="med" p14:dur="700">
         <p:fade/>
       </p:transition>
     </mc:Choice>
-    <mc:Fallback>
+    <mc:Fallback xmlns="">
       <p:transition spd="med">
         <p:fade/>
       </p:transition>
     </mc:Fallback>
   </mc:AlternateContent>
+  <p:timing>
+    <p:tnLst>
+      <p:par>
+        <p:cTn id="1" dur="indefinite" restart="never" nodeType="tmRoot"/>
+      </p:par>
+    </p:tnLst>
+  </p:timing>
 </p:sld>
 </file>
 
@@ -5970,7 +6791,7 @@
           <a:p>
             <a:r>
               <a:rPr lang="sk-SK" dirty="0" smtClean="0"/>
-              <a:t>Správa verzií</a:t>
+              <a:t>Úvod</a:t>
             </a:r>
             <a:endParaRPr lang="sk-SK" dirty="0"/>
           </a:p>
@@ -5991,14 +6812,68 @@
           <a:bodyPr/>
           <a:lstStyle/>
           <a:p>
-            <a:endParaRPr lang="sk-SK"/>
+            <a:pPr marL="0" indent="0">
+              <a:buNone/>
+            </a:pPr>
+            <a:r>
+              <a:rPr lang="sk-SK" dirty="0" smtClean="0"/>
+              <a:t>Načo nám treba Správu konfigurácie?</a:t>
+            </a:r>
+          </a:p>
+          <a:p>
+            <a:pPr lvl="1"/>
+            <a:r>
+              <a:rPr lang="sk-SK" dirty="0" smtClean="0"/>
+              <a:t>hrozí strata prehľadu</a:t>
+            </a:r>
+          </a:p>
+          <a:p>
+            <a:pPr lvl="2"/>
+            <a:r>
+              <a:rPr lang="sk-SK" dirty="0" smtClean="0"/>
+              <a:t>ktoré zmeny a verzie komponentov sú súčasťou jednotlivej verzie systému? </a:t>
+            </a:r>
+          </a:p>
+          <a:p>
+            <a:pPr lvl="1"/>
+            <a:r>
+              <a:rPr lang="sk-SK" dirty="0" smtClean="0"/>
+              <a:t>vývoj viacerých verzií súčasne</a:t>
+            </a:r>
+          </a:p>
+          <a:p>
+            <a:pPr lvl="2"/>
+            <a:r>
+              <a:rPr lang="sk-SK" dirty="0" smtClean="0"/>
+              <a:t>úprava nesprávnej verzie</a:t>
+            </a:r>
+          </a:p>
+          <a:p>
+            <a:pPr lvl="2"/>
+            <a:r>
+              <a:rPr lang="sk-SK" dirty="0" smtClean="0"/>
+              <a:t>dodanie zákazníkovi chybnej verzie</a:t>
+            </a:r>
+          </a:p>
+          <a:p>
+            <a:pPr lvl="1"/>
+            <a:r>
+              <a:rPr lang="sk-SK" dirty="0" smtClean="0"/>
+              <a:t>tými majú prístup k informáciám o vyvíjanom systéme a nenarušujú si prácu</a:t>
+            </a:r>
+          </a:p>
+          <a:p>
+            <a:pPr marL="320040" lvl="1" indent="0">
+              <a:buNone/>
+            </a:pPr>
+            <a:endParaRPr lang="sk-SK" dirty="0"/>
           </a:p>
         </p:txBody>
       </p:sp>
     </p:spTree>
     <p:extLst>
       <p:ext uri="{BB962C8B-B14F-4D97-AF65-F5344CB8AC3E}">
-        <p14:creationId xmlns:p14="http://schemas.microsoft.com/office/powerpoint/2010/main" val="1754304128"/>
+        <p14:creationId xmlns:p14="http://schemas.microsoft.com/office/powerpoint/2010/main" val="3090615550"/>
       </p:ext>
     </p:extLst>
   </p:cSld>
@@ -6017,6 +6892,13 @@
       </p:transition>
     </mc:Fallback>
   </mc:AlternateContent>
+  <p:timing>
+    <p:tnLst>
+      <p:par>
+        <p:cTn id="1" dur="indefinite" restart="never" nodeType="tmRoot"/>
+      </p:par>
+    </p:tnLst>
+  </p:timing>
 </p:sld>
 </file>
 
@@ -6054,7 +6936,7 @@
           <a:p>
             <a:r>
               <a:rPr lang="sk-SK" dirty="0" smtClean="0"/>
-              <a:t>Zostavenie systému</a:t>
+              <a:t>Úvod</a:t>
             </a:r>
             <a:endParaRPr lang="sk-SK" dirty="0"/>
           </a:p>
@@ -6070,19 +6952,74 @@
             <p:ph idx="1"/>
           </p:nvPr>
         </p:nvSpPr>
-        <p:spPr/>
+        <p:spPr>
+          <a:xfrm>
+            <a:off x="1295400" y="1691640"/>
+            <a:ext cx="9601200" cy="5029200"/>
+          </a:xfrm>
+        </p:spPr>
         <p:txBody>
           <a:bodyPr/>
           <a:lstStyle/>
           <a:p>
-            <a:endParaRPr lang="sk-SK"/>
+            <a:pPr marL="0" indent="0">
+              <a:buNone/>
+            </a:pPr>
+            <a:r>
+              <a:rPr lang="sk-SK" dirty="0" smtClean="0"/>
+              <a:t>CM zahrňuje štyri príbuzné aktivity</a:t>
+            </a:r>
+            <a:endParaRPr lang="sk-SK" dirty="0"/>
+          </a:p>
+          <a:p>
+            <a:r>
+              <a:rPr lang="sk-SK" sz="2200" b="1" dirty="0" smtClean="0"/>
+              <a:t>Správa zmien </a:t>
+            </a:r>
+            <a:r>
+              <a:rPr lang="sk-SK" sz="2200" dirty="0" smtClean="0"/>
+              <a:t>– jedná sa o sledovanie žiadosti o zmeny softvéru od zákazníkov a vývojárov, vyhodnotenie nákladov a dopadu uskutočnenia týchto zmien a rozhodovanie o tom, že kedy a či vôbec majú byť zmeny implementované</a:t>
+            </a:r>
+          </a:p>
+          <a:p>
+            <a:r>
+              <a:rPr lang="sk-SK" sz="2200" b="1" dirty="0" smtClean="0"/>
+              <a:t>Správa verzií</a:t>
+            </a:r>
+            <a:r>
+              <a:rPr lang="sk-SK" sz="2200" dirty="0" smtClean="0"/>
+              <a:t> – sleduje viac verzií systémových komponentov a zaisťuje, že ich zmeny uskutočnené rôznymi vývojármi nie sú vo vzájomnom konflikte</a:t>
+            </a:r>
+          </a:p>
+          <a:p>
+            <a:r>
+              <a:rPr lang="sk-SK" sz="2200" b="1" dirty="0" smtClean="0"/>
+              <a:t>Zostavenie systému </a:t>
+            </a:r>
+            <a:r>
+              <a:rPr lang="sk-SK" sz="2200" dirty="0" smtClean="0"/>
+              <a:t>– v tomto procese sa zostavujú komponenty programu, dáta a knižnice a po ich kompilácií a prepojení vzniká spustiteľný program</a:t>
+            </a:r>
+          </a:p>
+          <a:p>
+            <a:r>
+              <a:rPr lang="sk-SK" b="1" dirty="0" smtClean="0"/>
+              <a:t>Správa vydania </a:t>
+            </a:r>
+            <a:r>
+              <a:rPr lang="sk-SK" sz="2200" dirty="0" smtClean="0"/>
+              <a:t>– zahrňuje prípravu softvéru na externé vydanie a sledovanie verzií systému, ktoré boli uvoľnené k používaniu zákazníkom</a:t>
+            </a:r>
+          </a:p>
+          <a:p>
+            <a:endParaRPr lang="sk-SK" dirty="0" smtClean="0"/>
           </a:p>
         </p:txBody>
       </p:sp>
     </p:spTree>
     <p:extLst>
       <p:ext uri="{BB962C8B-B14F-4D97-AF65-F5344CB8AC3E}">
-        <p14:creationId xmlns:p14="http://schemas.microsoft.com/office/powerpoint/2010/main" val="942674995"/>
+        <p14:creationId xmlns:p14="http://schemas.microsoft.com/office/powerpoint/2010/main" val="3924982910"/>
       </p:ext>
     </p:extLst>
   </p:cSld>
@@ -6101,6 +7038,13 @@
       </p:transition>
     </mc:Fallback>
   </mc:AlternateContent>
+  <p:timing>
+    <p:tnLst>
+      <p:par>
+        <p:cTn id="1" dur="indefinite" restart="never" nodeType="tmRoot"/>
+      </p:par>
+    </p:tnLst>
+  </p:timing>
 </p:sld>
 </file>
 
@@ -6121,52 +7065,40 @@
           <a:chExt cx="0" cy="0"/>
         </a:xfrm>
       </p:grpSpPr>
-      <p:sp>
-        <p:nvSpPr>
-          <p:cNvPr id="2" name="Nadpis 1"/>
-          <p:cNvSpPr>
-            <a:spLocks noGrp="1"/>
-          </p:cNvSpPr>
-          <p:nvPr>
-            <p:ph type="title"/>
-          </p:nvPr>
-        </p:nvSpPr>
-        <p:spPr/>
-        <p:txBody>
-          <a:bodyPr/>
-          <a:lstStyle/>
-          <a:p>
-            <a:r>
-              <a:rPr lang="sk-SK" dirty="0" smtClean="0"/>
-              <a:t>Správa vydania</a:t>
-            </a:r>
-            <a:endParaRPr lang="sk-SK" dirty="0"/>
-          </a:p>
-        </p:txBody>
-      </p:sp>
-      <p:sp>
-        <p:nvSpPr>
-          <p:cNvPr id="3" name="Zástupný symbol obsahu 2"/>
-          <p:cNvSpPr>
-            <a:spLocks noGrp="1"/>
-          </p:cNvSpPr>
-          <p:nvPr>
-            <p:ph idx="1"/>
-          </p:nvPr>
-        </p:nvSpPr>
-        <p:spPr/>
-        <p:txBody>
-          <a:bodyPr/>
-          <a:lstStyle/>
-          <a:p>
-            <a:endParaRPr lang="sk-SK"/>
-          </a:p>
-        </p:txBody>
-      </p:sp>
+      <p:pic>
+        <p:nvPicPr>
+          <p:cNvPr id="2" name="Obrázok 1"/>
+          <p:cNvPicPr>
+            <a:picLocks noChangeAspect="1"/>
+          </p:cNvPicPr>
+          <p:nvPr/>
+        </p:nvPicPr>
+        <p:blipFill>
+          <a:blip r:embed="rId2">
+            <a:extLst>
+              <a:ext uri="{28A0092B-C50C-407E-A947-70E740481C1C}">
+                <a14:useLocalDpi xmlns:a14="http://schemas.microsoft.com/office/drawing/2010/main" val="0"/>
+              </a:ext>
+            </a:extLst>
+          </a:blip>
+          <a:stretch>
+            <a:fillRect/>
+          </a:stretch>
+        </p:blipFill>
+        <p:spPr>
+          <a:xfrm>
+            <a:off x="1193940" y="1696105"/>
+            <a:ext cx="9669030" cy="4501982"/>
+          </a:xfrm>
+          <a:prstGeom prst="rect">
+            <a:avLst/>
+          </a:prstGeom>
+        </p:spPr>
+      </p:pic>
     </p:spTree>
     <p:extLst>
       <p:ext uri="{BB962C8B-B14F-4D97-AF65-F5344CB8AC3E}">
-        <p14:creationId xmlns:p14="http://schemas.microsoft.com/office/powerpoint/2010/main" val="3580497272"/>
+        <p14:creationId xmlns:p14="http://schemas.microsoft.com/office/powerpoint/2010/main" val="3695795591"/>
       </p:ext>
     </p:extLst>
   </p:cSld>
@@ -6185,6 +7117,13 @@
       </p:transition>
     </mc:Fallback>
   </mc:AlternateContent>
+  <p:timing>
+    <p:tnLst>
+      <p:par>
+        <p:cTn id="1" dur="indefinite" restart="never" nodeType="tmRoot"/>
+      </p:par>
+    </p:tnLst>
+  </p:timing>
 </p:sld>
 </file>
 
@@ -6207,68 +7146,71 @@
       </p:grpSpPr>
       <p:sp>
         <p:nvSpPr>
-          <p:cNvPr id="2" name="Nadpis 1"/>
-          <p:cNvSpPr>
-            <a:spLocks noGrp="1"/>
-          </p:cNvSpPr>
-          <p:nvPr>
-            <p:ph type="title"/>
-          </p:nvPr>
-        </p:nvSpPr>
-        <p:spPr/>
-        <p:txBody>
-          <a:bodyPr/>
-          <a:lstStyle/>
-          <a:p>
-            <a:r>
-              <a:rPr lang="sk-SK" dirty="0" smtClean="0"/>
-              <a:t>Zdroje</a:t>
-            </a:r>
-            <a:endParaRPr lang="sk-SK" dirty="0"/>
-          </a:p>
-        </p:txBody>
-      </p:sp>
-      <p:sp>
-        <p:nvSpPr>
-          <p:cNvPr id="3" name="Zástupný symbol obsahu 2"/>
-          <p:cNvSpPr>
-            <a:spLocks noGrp="1"/>
-          </p:cNvSpPr>
-          <p:nvPr>
-            <p:ph idx="1"/>
-          </p:nvPr>
-        </p:nvSpPr>
-        <p:spPr/>
-        <p:txBody>
-          <a:bodyPr/>
-          <a:lstStyle/>
-          <a:p>
-            <a:endParaRPr lang="sk-SK" dirty="0"/>
+          <p:cNvPr id="2" name="Obdĺžnik 1"/>
+          <p:cNvSpPr/>
+          <p:nvPr/>
+        </p:nvSpPr>
+        <p:spPr>
+          <a:xfrm>
+            <a:off x="3759908" y="2906006"/>
+            <a:ext cx="4562467" cy="923330"/>
+          </a:xfrm>
+          <a:prstGeom prst="rect">
+            <a:avLst/>
+          </a:prstGeom>
+        </p:spPr>
+        <p:txBody>
+          <a:bodyPr wrap="none">
+            <a:spAutoFit/>
+          </a:bodyPr>
+          <a:lstStyle/>
+          <a:p>
+            <a:pPr algn="ctr"/>
+            <a:r>
+              <a:rPr lang="sk-SK" sz="5400" dirty="0" smtClean="0">
+                <a:solidFill>
+                  <a:srgbClr val="595959"/>
+                </a:solidFill>
+              </a:rPr>
+              <a:t>Správa  zmien</a:t>
+            </a:r>
+            <a:endParaRPr lang="sk-SK" sz="5400" dirty="0">
+              <a:solidFill>
+                <a:srgbClr val="595959"/>
+              </a:solidFill>
+            </a:endParaRPr>
           </a:p>
         </p:txBody>
       </p:sp>
     </p:spTree>
     <p:extLst>
       <p:ext uri="{BB962C8B-B14F-4D97-AF65-F5344CB8AC3E}">
-        <p14:creationId xmlns:p14="http://schemas.microsoft.com/office/powerpoint/2010/main" val="623721214"/>
+        <p14:creationId xmlns:p14="http://schemas.microsoft.com/office/powerpoint/2010/main" val="313438625"/>
       </p:ext>
     </p:extLst>
   </p:cSld>
   <p:clrMapOvr>
     <a:masterClrMapping/>
   </p:clrMapOvr>
-  <mc:AlternateContent xmlns:mc="http://schemas.openxmlformats.org/markup-compatibility/2006">
-    <mc:Choice xmlns:p14="http://schemas.microsoft.com/office/powerpoint/2010/main" Requires="p14">
+  <mc:AlternateContent xmlns:mc="http://schemas.openxmlformats.org/markup-compatibility/2006" xmlns:p14="http://schemas.microsoft.com/office/powerpoint/2010/main">
+    <mc:Choice Requires="p14">
       <p:transition spd="med" p14:dur="700">
         <p:fade/>
       </p:transition>
     </mc:Choice>
-    <mc:Fallback>
+    <mc:Fallback xmlns="">
       <p:transition spd="med">
         <p:fade/>
       </p:transition>
     </mc:Fallback>
   </mc:AlternateContent>
+  <p:timing>
+    <p:tnLst>
+      <p:par>
+        <p:cTn id="1" dur="indefinite" restart="never" nodeType="tmRoot"/>
+      </p:par>
+    </p:tnLst>
+  </p:timing>
 </p:sld>
 </file>
 
@@ -6291,64 +7233,79 @@
       </p:grpSpPr>
       <p:sp>
         <p:nvSpPr>
-          <p:cNvPr id="2" name="Obdĺžnik 1"/>
-          <p:cNvSpPr/>
-          <p:nvPr/>
-        </p:nvSpPr>
-        <p:spPr>
-          <a:xfrm>
-            <a:off x="3093451" y="2915150"/>
-            <a:ext cx="5758308" cy="707886"/>
-          </a:xfrm>
-          <a:prstGeom prst="rect">
-            <a:avLst/>
-          </a:prstGeom>
-        </p:spPr>
-        <p:txBody>
-          <a:bodyPr wrap="none">
-            <a:spAutoFit/>
-          </a:bodyPr>
-          <a:lstStyle/>
-          <a:p>
-            <a:pPr algn="ctr"/>
-            <a:r>
-              <a:rPr lang="sk-SK" sz="4000" dirty="0">
-                <a:solidFill>
-                  <a:srgbClr val="595959"/>
-                </a:solidFill>
-              </a:rPr>
-              <a:t>Ďakujeme za pozornosť!</a:t>
-            </a:r>
-            <a:endParaRPr lang="sk-SK" sz="4000" dirty="0">
-              <a:solidFill>
-                <a:srgbClr val="595959"/>
-              </a:solidFill>
-            </a:endParaRPr>
+          <p:cNvPr id="2" name="Nadpis 1"/>
+          <p:cNvSpPr>
+            <a:spLocks noGrp="1"/>
+          </p:cNvSpPr>
+          <p:nvPr>
+            <p:ph type="title"/>
+          </p:nvPr>
+        </p:nvSpPr>
+        <p:spPr/>
+        <p:txBody>
+          <a:bodyPr/>
+          <a:lstStyle/>
+          <a:p>
+            <a:r>
+              <a:rPr lang="sk-SK" dirty="0"/>
+              <a:t>Správa </a:t>
+            </a:r>
+            <a:r>
+              <a:rPr lang="sk-SK" dirty="0" smtClean="0"/>
+              <a:t>zmien</a:t>
+            </a:r>
+            <a:endParaRPr lang="sk-SK" dirty="0"/>
+          </a:p>
+        </p:txBody>
+      </p:sp>
+      <p:sp>
+        <p:nvSpPr>
+          <p:cNvPr id="3" name="Zástupný symbol obsahu 2"/>
+          <p:cNvSpPr>
+            <a:spLocks noGrp="1"/>
+          </p:cNvSpPr>
+          <p:nvPr>
+            <p:ph idx="1"/>
+          </p:nvPr>
+        </p:nvSpPr>
+        <p:spPr/>
+        <p:txBody>
+          <a:bodyPr/>
+          <a:lstStyle/>
+          <a:p>
+            <a:endParaRPr lang="sk-SK"/>
           </a:p>
         </p:txBody>
       </p:sp>
     </p:spTree>
     <p:extLst>
       <p:ext uri="{BB962C8B-B14F-4D97-AF65-F5344CB8AC3E}">
-        <p14:creationId xmlns:p14="http://schemas.microsoft.com/office/powerpoint/2010/main" val="1027478751"/>
+        <p14:creationId xmlns:p14="http://schemas.microsoft.com/office/powerpoint/2010/main" val="1206756710"/>
       </p:ext>
     </p:extLst>
   </p:cSld>
   <p:clrMapOvr>
     <a:masterClrMapping/>
   </p:clrMapOvr>
-  <mc:AlternateContent xmlns:mc="http://schemas.openxmlformats.org/markup-compatibility/2006">
-    <mc:Choice xmlns:p14="http://schemas.microsoft.com/office/powerpoint/2010/main" Requires="p14">
+  <mc:AlternateContent xmlns:mc="http://schemas.openxmlformats.org/markup-compatibility/2006" xmlns:p14="http://schemas.microsoft.com/office/powerpoint/2010/main">
+    <mc:Choice Requires="p14">
       <p:transition spd="med" p14:dur="700">
         <p:fade/>
       </p:transition>
     </mc:Choice>
-    <mc:Fallback>
+    <mc:Fallback xmlns="">
       <p:transition spd="med">
         <p:fade/>
       </p:transition>
     </mc:Fallback>
   </mc:AlternateContent>
+  <p:timing>
+    <p:tnLst>
+      <p:par>
+        <p:cTn id="1" dur="indefinite" restart="never" nodeType="tmRoot"/>
+      </p:par>
+    </p:tnLst>
+  </p:timing>
 </p:sld>
 </file>
 

--- a/swib.pptx
+++ b/swib.pptx
@@ -5,10 +5,10 @@
     <p:sldMasterId id="2147483648" r:id="rId2"/>
   </p:sldMasterIdLst>
   <p:notesMasterIdLst>
-    <p:notesMasterId r:id="rId20"/>
+    <p:notesMasterId r:id="rId25"/>
   </p:notesMasterIdLst>
   <p:handoutMasterIdLst>
-    <p:handoutMasterId r:id="rId21"/>
+    <p:handoutMasterId r:id="rId26"/>
   </p:handoutMasterIdLst>
   <p:sldIdLst>
     <p:sldId id="257" r:id="rId3"/>
@@ -20,14 +20,19 @@
     <p:sldId id="274" r:id="rId9"/>
     <p:sldId id="268" r:id="rId10"/>
     <p:sldId id="260" r:id="rId11"/>
-    <p:sldId id="270" r:id="rId12"/>
-    <p:sldId id="261" r:id="rId13"/>
-    <p:sldId id="269" r:id="rId14"/>
-    <p:sldId id="262" r:id="rId15"/>
-    <p:sldId id="272" r:id="rId16"/>
-    <p:sldId id="263" r:id="rId17"/>
-    <p:sldId id="264" r:id="rId18"/>
-    <p:sldId id="265" r:id="rId19"/>
+    <p:sldId id="277" r:id="rId12"/>
+    <p:sldId id="275" r:id="rId13"/>
+    <p:sldId id="278" r:id="rId14"/>
+    <p:sldId id="276" r:id="rId15"/>
+    <p:sldId id="279" r:id="rId16"/>
+    <p:sldId id="270" r:id="rId17"/>
+    <p:sldId id="261" r:id="rId18"/>
+    <p:sldId id="269" r:id="rId19"/>
+    <p:sldId id="262" r:id="rId20"/>
+    <p:sldId id="272" r:id="rId21"/>
+    <p:sldId id="263" r:id="rId22"/>
+    <p:sldId id="264" r:id="rId23"/>
+    <p:sldId id="265" r:id="rId24"/>
   </p:sldIdLst>
   <p:sldSz cx="12192000" cy="6858000"/>
   <p:notesSz cx="6858000" cy="9144000"/>
@@ -219,7 +224,7 @@
           <a:p>
             <a:fld id="{D63D5444-F62C-42C3-A75A-D9DBA807730F}" type="datetimeFigureOut">
               <a:rPr lang="sk-SK" smtClean="0"/>
-              <a:t>12.12.2015</a:t>
+              <a:t>13.12.2015</a:t>
             </a:fld>
             <a:endParaRPr lang="sk-SK" dirty="0"/>
           </a:p>
@@ -384,7 +389,7 @@
           <a:p>
             <a:fld id="{12CAA1FA-7B6A-47D2-8D61-F225D71B51FF}" type="datetimeFigureOut">
               <a:rPr lang="sk-SK" smtClean="0"/>
-              <a:t>12.12.2015</a:t>
+              <a:t>13.12.2015</a:t>
             </a:fld>
             <a:endParaRPr lang="sk-SK" dirty="0"/>
           </a:p>
@@ -1225,7 +1230,7 @@
           <a:p>
             <a:fld id="{A79A3335-6331-4872-A8B7-ECD55539F4D0}" type="datetimeFigureOut">
               <a:rPr lang="sk-SK" smtClean="0"/>
-              <a:t>12.12.2015</a:t>
+              <a:t>13.12.2015</a:t>
             </a:fld>
             <a:endParaRPr lang="sk-SK" dirty="0"/>
           </a:p>
@@ -1484,7 +1489,7 @@
           <a:p>
             <a:fld id="{A79A3335-6331-4872-A8B7-ECD55539F4D0}" type="datetimeFigureOut">
               <a:rPr lang="sk-SK" smtClean="0"/>
-              <a:t>12.12.2015</a:t>
+              <a:t>13.12.2015</a:t>
             </a:fld>
             <a:endParaRPr lang="sk-SK" dirty="0"/>
           </a:p>
@@ -2012,7 +2017,7 @@
           <a:p>
             <a:fld id="{A79A3335-6331-4872-A8B7-ECD55539F4D0}" type="datetimeFigureOut">
               <a:rPr lang="sk-SK" smtClean="0"/>
-              <a:t>12.12.2015</a:t>
+              <a:t>13.12.2015</a:t>
             </a:fld>
             <a:endParaRPr lang="sk-SK" dirty="0"/>
           </a:p>
@@ -2344,7 +2349,7 @@
           <a:p>
             <a:fld id="{A79A3335-6331-4872-A8B7-ECD55539F4D0}" type="datetimeFigureOut">
               <a:rPr lang="sk-SK" smtClean="0"/>
-              <a:t>12.12.2015</a:t>
+              <a:t>13.12.2015</a:t>
             </a:fld>
             <a:endParaRPr lang="sk-SK" dirty="0"/>
           </a:p>
@@ -2526,7 +2531,7 @@
           <a:p>
             <a:fld id="{A79A3335-6331-4872-A8B7-ECD55539F4D0}" type="datetimeFigureOut">
               <a:rPr lang="sk-SK" smtClean="0"/>
-              <a:t>12.12.2015</a:t>
+              <a:t>13.12.2015</a:t>
             </a:fld>
             <a:endParaRPr lang="sk-SK" dirty="0"/>
           </a:p>
@@ -3769,7 +3774,7 @@
           <a:p>
             <a:fld id="{A79A3335-6331-4872-A8B7-ECD55539F4D0}" type="datetimeFigureOut">
               <a:rPr lang="sk-SK" smtClean="0"/>
-              <a:t>12.12.2015</a:t>
+              <a:t>13.12.2015</a:t>
             </a:fld>
             <a:endParaRPr lang="sk-SK" dirty="0"/>
           </a:p>
@@ -4147,7 +4152,7 @@
           <a:p>
             <a:fld id="{A79A3335-6331-4872-A8B7-ECD55539F4D0}" type="datetimeFigureOut">
               <a:rPr lang="sk-SK" smtClean="0"/>
-              <a:t>12.12.2015</a:t>
+              <a:t>13.12.2015</a:t>
             </a:fld>
             <a:endParaRPr lang="sk-SK" dirty="0"/>
           </a:p>
@@ -4277,7 +4282,7 @@
           <a:p>
             <a:fld id="{A79A3335-6331-4872-A8B7-ECD55539F4D0}" type="datetimeFigureOut">
               <a:rPr lang="sk-SK" smtClean="0"/>
-              <a:t>12.12.2015</a:t>
+              <a:t>13.12.2015</a:t>
             </a:fld>
             <a:endParaRPr lang="sk-SK" dirty="0"/>
           </a:p>
@@ -4384,7 +4389,7 @@
           <a:p>
             <a:fld id="{A79A3335-6331-4872-A8B7-ECD55539F4D0}" type="datetimeFigureOut">
               <a:rPr lang="sk-SK" smtClean="0"/>
-              <a:t>12.12.2015</a:t>
+              <a:t>13.12.2015</a:t>
             </a:fld>
             <a:endParaRPr lang="sk-SK" dirty="0"/>
           </a:p>
@@ -4675,7 +4680,7 @@
           <a:p>
             <a:fld id="{A79A3335-6331-4872-A8B7-ECD55539F4D0}" type="datetimeFigureOut">
               <a:rPr lang="sk-SK" smtClean="0"/>
-              <a:t>12.12.2015</a:t>
+              <a:t>13.12.2015</a:t>
             </a:fld>
             <a:endParaRPr lang="sk-SK" dirty="0"/>
           </a:p>
@@ -5041,7 +5046,7 @@
             <a:fld id="{A79A3335-6331-4872-A8B7-ECD55539F4D0}" type="datetimeFigureOut">
               <a:rPr lang="sk-SK" smtClean="0"/>
               <a:pPr/>
-              <a:t>12.12.2015</a:t>
+              <a:t>13.12.2015</a:t>
             </a:fld>
             <a:endParaRPr lang="sk-SK" dirty="0"/>
           </a:p>
@@ -5647,46 +5652,60 @@
       </p:grpSpPr>
       <p:sp>
         <p:nvSpPr>
-          <p:cNvPr id="2" name="Obdĺžnik 1"/>
-          <p:cNvSpPr/>
-          <p:nvPr/>
-        </p:nvSpPr>
+          <p:cNvPr id="2" name="Nadpis 1"/>
+          <p:cNvSpPr>
+            <a:spLocks noGrp="1"/>
+          </p:cNvSpPr>
+          <p:nvPr>
+            <p:ph type="title"/>
+          </p:nvPr>
+        </p:nvSpPr>
+        <p:spPr/>
+        <p:txBody>
+          <a:bodyPr/>
+          <a:lstStyle/>
+          <a:p>
+            <a:r>
+              <a:rPr lang="sk-SK" dirty="0" smtClean="0"/>
+              <a:t>Správa zmien</a:t>
+            </a:r>
+            <a:endParaRPr lang="sk-SK" dirty="0"/>
+          </a:p>
+        </p:txBody>
+      </p:sp>
+      <p:pic>
+        <p:nvPicPr>
+          <p:cNvPr id="4" name="Zástupný symbol obsahu 3"/>
+          <p:cNvPicPr>
+            <a:picLocks noGrp="1" noChangeAspect="1"/>
+          </p:cNvPicPr>
+          <p:nvPr>
+            <p:ph idx="1"/>
+          </p:nvPr>
+        </p:nvPicPr>
+        <p:blipFill>
+          <a:blip r:embed="rId2">
+            <a:extLst>
+              <a:ext uri="{28A0092B-C50C-407E-A947-70E740481C1C}">
+                <a14:useLocalDpi xmlns:a14="http://schemas.microsoft.com/office/drawing/2010/main" val="0"/>
+              </a:ext>
+            </a:extLst>
+          </a:blip>
+          <a:stretch>
+            <a:fillRect/>
+          </a:stretch>
+        </p:blipFill>
         <p:spPr>
           <a:xfrm>
-            <a:off x="3834449" y="2906006"/>
-            <a:ext cx="4413389" cy="923330"/>
+            <a:off x="1701668" y="1897362"/>
+            <a:ext cx="8292724" cy="4792947"/>
           </a:xfrm>
-          <a:prstGeom prst="rect">
-            <a:avLst/>
-          </a:prstGeom>
         </p:spPr>
-        <p:txBody>
-          <a:bodyPr wrap="none">
-            <a:spAutoFit/>
-          </a:bodyPr>
-          <a:lstStyle/>
-          <a:p>
-            <a:pPr algn="ctr"/>
-            <a:r>
-              <a:rPr lang="sk-SK" sz="5400" dirty="0" smtClean="0">
-                <a:solidFill>
-                  <a:srgbClr val="595959"/>
-                </a:solidFill>
-              </a:rPr>
-              <a:t>Správa  verzií</a:t>
-            </a:r>
-            <a:endParaRPr lang="sk-SK" sz="5400" dirty="0">
-              <a:solidFill>
-                <a:srgbClr val="595959"/>
-              </a:solidFill>
-            </a:endParaRPr>
-          </a:p>
-        </p:txBody>
-      </p:sp>
+      </p:pic>
     </p:spTree>
     <p:extLst>
       <p:ext uri="{BB962C8B-B14F-4D97-AF65-F5344CB8AC3E}">
-        <p14:creationId xmlns:p14="http://schemas.microsoft.com/office/powerpoint/2010/main" val="844742060"/>
+        <p14:creationId xmlns:p14="http://schemas.microsoft.com/office/powerpoint/2010/main" val="1170117253"/>
       </p:ext>
     </p:extLst>
   </p:cSld>
@@ -5734,7 +5753,124 @@
       </p:grpSpPr>
       <p:sp>
         <p:nvSpPr>
-          <p:cNvPr id="2" name="Nadpis 1"/>
+          <p:cNvPr id="3" name="Zástupný symbol obsahu 2"/>
+          <p:cNvSpPr>
+            <a:spLocks noGrp="1"/>
+          </p:cNvSpPr>
+          <p:nvPr>
+            <p:ph idx="1"/>
+          </p:nvPr>
+        </p:nvSpPr>
+        <p:spPr>
+          <a:xfrm>
+            <a:off x="1295400" y="2240280"/>
+            <a:ext cx="9601200" cy="4343400"/>
+          </a:xfrm>
+        </p:spPr>
+        <p:txBody>
+          <a:bodyPr/>
+          <a:lstStyle/>
+          <a:p>
+            <a:r>
+              <a:rPr lang="sk-SK" dirty="0" smtClean="0"/>
+              <a:t>Po odoslaní žiadosti </a:t>
+            </a:r>
+            <a:r>
+              <a:rPr lang="sk-SK" dirty="0" smtClean="0"/>
+              <a:t>nasleduje kontrola,</a:t>
+            </a:r>
+            <a:r>
+              <a:rPr lang="sk-SK" dirty="0" smtClean="0"/>
+              <a:t>  či je žiadosť platná</a:t>
+            </a:r>
+            <a:endParaRPr lang="sk-SK" dirty="0" smtClean="0"/>
+          </a:p>
+          <a:p>
+            <a:pPr lvl="1"/>
+            <a:r>
+              <a:rPr lang="sk-SK" dirty="0" smtClean="0"/>
+              <a:t>Duplicitne ohlásená chyba</a:t>
+            </a:r>
+          </a:p>
+          <a:p>
+            <a:pPr lvl="1"/>
+            <a:r>
+              <a:rPr lang="sk-SK" dirty="0" smtClean="0"/>
+              <a:t>Implementované </a:t>
+            </a:r>
+            <a:r>
+              <a:rPr lang="sk-SK" dirty="0" smtClean="0"/>
+              <a:t>skôr</a:t>
+            </a:r>
+          </a:p>
+          <a:p>
+            <a:r>
+              <a:rPr lang="sk-SK" dirty="0" smtClean="0"/>
+              <a:t>Nasleduje fáza hodnotenie a ocenenie zmeny. Rozhodovanie podľa piatich </a:t>
+            </a:r>
+            <a:r>
+              <a:rPr lang="sk-SK" dirty="0"/>
+              <a:t>f</a:t>
+            </a:r>
+            <a:r>
+              <a:rPr lang="sk-SK" dirty="0" smtClean="0"/>
+              <a:t>aktorov:</a:t>
+            </a:r>
+          </a:p>
+          <a:p>
+            <a:pPr marL="777240" lvl="1" indent="-457200">
+              <a:buFont typeface="+mj-lt"/>
+              <a:buAutoNum type="arabicPeriod"/>
+            </a:pPr>
+            <a:r>
+              <a:rPr lang="sk-SK" b="1" dirty="0" smtClean="0"/>
+              <a:t>Dôsledky nevykonania zmeny </a:t>
+            </a:r>
+            <a:r>
+              <a:rPr lang="sk-SK" dirty="0" smtClean="0"/>
+              <a:t>– aké bude mať dôsledky? Spôsobí havarovanie systému? Má následne zlyhanie len malé účinky?</a:t>
+            </a:r>
+          </a:p>
+          <a:p>
+            <a:pPr marL="777240" lvl="1" indent="-457200">
+              <a:buFont typeface="+mj-lt"/>
+              <a:buAutoNum type="arabicPeriod"/>
+            </a:pPr>
+            <a:r>
+              <a:rPr lang="sk-SK" b="1" dirty="0" smtClean="0"/>
+              <a:t>Výhody zmien </a:t>
+            </a:r>
+            <a:r>
+              <a:rPr lang="sk-SK" dirty="0" smtClean="0"/>
+              <a:t>– koľkým používateľom prinesie zmena úžitok?</a:t>
+            </a:r>
+          </a:p>
+          <a:p>
+            <a:pPr marL="777240" lvl="1" indent="-457200">
+              <a:buFont typeface="+mj-lt"/>
+              <a:buAutoNum type="arabicPeriod"/>
+            </a:pPr>
+            <a:r>
+              <a:rPr lang="sk-SK" b="1" dirty="0" smtClean="0"/>
+              <a:t>Počet užívateľov, na ktoré bude mať zmena vplyv </a:t>
+            </a:r>
+            <a:r>
+              <a:rPr lang="sk-SK" dirty="0" smtClean="0"/>
+              <a:t>– ak by mohla mať zmena nepriaznivý dopad na väčšinu užívateľov, zamietame.</a:t>
+            </a:r>
+          </a:p>
+          <a:p>
+            <a:pPr marL="777240" lvl="1" indent="-457200">
+              <a:buFont typeface="+mj-lt"/>
+              <a:buAutoNum type="arabicPeriod"/>
+            </a:pPr>
+            <a:endParaRPr lang="sk-SK" dirty="0" smtClean="0"/>
+          </a:p>
+        </p:txBody>
+      </p:sp>
+      <p:sp>
+        <p:nvSpPr>
+          <p:cNvPr id="5" name="Nadpis 1"/>
           <p:cNvSpPr>
             <a:spLocks noGrp="1"/>
           </p:cNvSpPr>
@@ -5742,42 +5878,28 @@
             <p:ph type="title"/>
           </p:nvPr>
         </p:nvSpPr>
-        <p:spPr/>
+        <p:spPr>
+          <a:xfrm>
+            <a:off x="1295400" y="255134"/>
+            <a:ext cx="9601200" cy="1036850"/>
+          </a:xfrm>
+        </p:spPr>
         <p:txBody>
           <a:bodyPr/>
           <a:lstStyle/>
           <a:p>
             <a:r>
               <a:rPr lang="sk-SK" dirty="0" smtClean="0"/>
-              <a:t>Správa verzií</a:t>
-            </a:r>
-            <a:endParaRPr lang="sk-SK" dirty="0"/>
-          </a:p>
-        </p:txBody>
-      </p:sp>
-      <p:sp>
-        <p:nvSpPr>
-          <p:cNvPr id="3" name="Zástupný symbol obsahu 2"/>
-          <p:cNvSpPr>
-            <a:spLocks noGrp="1"/>
-          </p:cNvSpPr>
-          <p:nvPr>
-            <p:ph idx="1"/>
-          </p:nvPr>
-        </p:nvSpPr>
-        <p:spPr/>
-        <p:txBody>
-          <a:bodyPr/>
-          <a:lstStyle/>
-          <a:p>
-            <a:endParaRPr lang="sk-SK"/>
+              <a:t>Správa zmien</a:t>
+            </a:r>
+            <a:endParaRPr lang="sk-SK" dirty="0"/>
           </a:p>
         </p:txBody>
       </p:sp>
     </p:spTree>
     <p:extLst>
       <p:ext uri="{BB962C8B-B14F-4D97-AF65-F5344CB8AC3E}">
-        <p14:creationId xmlns:p14="http://schemas.microsoft.com/office/powerpoint/2010/main" val="1754304128"/>
+        <p14:creationId xmlns:p14="http://schemas.microsoft.com/office/powerpoint/2010/main" val="2029278536"/>
       </p:ext>
     </p:extLst>
   </p:cSld>
@@ -5825,59 +5947,105 @@
       </p:grpSpPr>
       <p:sp>
         <p:nvSpPr>
-          <p:cNvPr id="2" name="Obdĺžnik 1"/>
-          <p:cNvSpPr/>
-          <p:nvPr/>
-        </p:nvSpPr>
-        <p:spPr>
-          <a:xfrm>
-            <a:off x="2900702" y="2906006"/>
-            <a:ext cx="6280887" cy="923330"/>
-          </a:xfrm>
-          <a:prstGeom prst="rect">
-            <a:avLst/>
-          </a:prstGeom>
-        </p:spPr>
-        <p:txBody>
-          <a:bodyPr wrap="none">
-            <a:spAutoFit/>
-          </a:bodyPr>
-          <a:lstStyle/>
-          <a:p>
-            <a:pPr algn="ctr"/>
-            <a:r>
-              <a:rPr lang="sk-SK" sz="5400" dirty="0" smtClean="0">
-                <a:solidFill>
-                  <a:srgbClr val="595959"/>
-                </a:solidFill>
-              </a:rPr>
-              <a:t>Zostavenie systému</a:t>
-            </a:r>
-            <a:endParaRPr lang="sk-SK" sz="5400" dirty="0">
-              <a:solidFill>
-                <a:srgbClr val="595959"/>
-              </a:solidFill>
-            </a:endParaRPr>
+          <p:cNvPr id="2" name="Nadpis 1"/>
+          <p:cNvSpPr>
+            <a:spLocks noGrp="1"/>
+          </p:cNvSpPr>
+          <p:nvPr>
+            <p:ph type="title"/>
+          </p:nvPr>
+        </p:nvSpPr>
+        <p:spPr/>
+        <p:txBody>
+          <a:bodyPr/>
+          <a:lstStyle/>
+          <a:p>
+            <a:r>
+              <a:rPr lang="sk-SK" dirty="0" smtClean="0"/>
+              <a:t>Správa zmien</a:t>
+            </a:r>
+            <a:endParaRPr lang="sk-SK" dirty="0"/>
+          </a:p>
+        </p:txBody>
+      </p:sp>
+      <p:sp>
+        <p:nvSpPr>
+          <p:cNvPr id="3" name="Zástupný symbol obsahu 2"/>
+          <p:cNvSpPr>
+            <a:spLocks noGrp="1"/>
+          </p:cNvSpPr>
+          <p:nvPr>
+            <p:ph idx="1"/>
+          </p:nvPr>
+        </p:nvSpPr>
+        <p:spPr/>
+        <p:txBody>
+          <a:bodyPr/>
+          <a:lstStyle/>
+          <a:p>
+            <a:pPr marL="777240" lvl="1" indent="-457200">
+              <a:buFont typeface="+mj-lt"/>
+              <a:buAutoNum type="arabicPeriod" startAt="4"/>
+            </a:pPr>
+            <a:r>
+              <a:rPr lang="sk-SK" b="1" dirty="0" smtClean="0"/>
+              <a:t>Náklady na uskutočnenie zmeny </a:t>
+            </a:r>
+            <a:r>
+              <a:rPr lang="sk-SK" dirty="0" smtClean="0"/>
+              <a:t>– ak zmena vyžaduje veľa času, v praxi zamietame.</a:t>
+            </a:r>
+          </a:p>
+          <a:p>
+            <a:pPr marL="777240" lvl="1" indent="-457200">
+              <a:buFont typeface="+mj-lt"/>
+              <a:buAutoNum type="arabicPeriod" startAt="4"/>
+            </a:pPr>
+            <a:r>
+              <a:rPr lang="sk-SK" b="1" dirty="0" smtClean="0"/>
+              <a:t>Cyklus vydania projektu </a:t>
+            </a:r>
+            <a:r>
+              <a:rPr lang="sk-SK" dirty="0" smtClean="0"/>
+              <a:t>– ak bola práve vydaná nová verzia softvéru, odkladáme na neskôr</a:t>
+            </a:r>
+          </a:p>
+          <a:p>
+            <a:pPr marL="777240" lvl="1" indent="-457200">
+              <a:buFont typeface="+mj-lt"/>
+              <a:buAutoNum type="arabicPeriod" startAt="4"/>
+            </a:pPr>
+            <a:endParaRPr lang="sk-SK" dirty="0"/>
+          </a:p>
+          <a:p>
+            <a:pPr marL="45720" indent="0">
+              <a:buNone/>
+            </a:pPr>
+            <a:r>
+              <a:rPr lang="sk-SK" dirty="0" smtClean="0"/>
+              <a:t>V prípade malých žiadosti ju odoslať priamo vývojárom bez analýzy, pretože analýza by stála viac ako samotná implementácia.</a:t>
+            </a:r>
+            <a:endParaRPr lang="sk-SK" dirty="0"/>
           </a:p>
         </p:txBody>
       </p:sp>
     </p:spTree>
     <p:extLst>
       <p:ext uri="{BB962C8B-B14F-4D97-AF65-F5344CB8AC3E}">
-        <p14:creationId xmlns:p14="http://schemas.microsoft.com/office/powerpoint/2010/main" val="3384020815"/>
+        <p14:creationId xmlns:p14="http://schemas.microsoft.com/office/powerpoint/2010/main" val="100118783"/>
       </p:ext>
     </p:extLst>
   </p:cSld>
   <p:clrMapOvr>
     <a:masterClrMapping/>
   </p:clrMapOvr>
-  <mc:AlternateContent xmlns:mc="http://schemas.openxmlformats.org/markup-compatibility/2006" xmlns:p14="http://schemas.microsoft.com/office/powerpoint/2010/main">
-    <mc:Choice Requires="p14">
+  <mc:AlternateContent xmlns:mc="http://schemas.openxmlformats.org/markup-compatibility/2006">
+    <mc:Choice xmlns:p14="http://schemas.microsoft.com/office/powerpoint/2010/main" Requires="p14">
       <p:transition spd="med" p14:dur="700">
         <p:fade/>
       </p:transition>
     </mc:Choice>
-    <mc:Fallback xmlns="">
+    <mc:Fallback>
       <p:transition spd="med">
         <p:fade/>
       </p:transition>
@@ -5910,9 +6078,38 @@
           <a:chExt cx="0" cy="0"/>
         </a:xfrm>
       </p:grpSpPr>
-      <p:sp>
-        <p:nvSpPr>
-          <p:cNvPr id="2" name="Nadpis 1"/>
+      <p:pic>
+        <p:nvPicPr>
+          <p:cNvPr id="4" name="Zástupný symbol obsahu 3"/>
+          <p:cNvPicPr>
+            <a:picLocks noGrp="1" noChangeAspect="1"/>
+          </p:cNvPicPr>
+          <p:nvPr>
+            <p:ph idx="1"/>
+          </p:nvPr>
+        </p:nvPicPr>
+        <p:blipFill>
+          <a:blip r:embed="rId2">
+            <a:extLst>
+              <a:ext uri="{28A0092B-C50C-407E-A947-70E740481C1C}">
+                <a14:useLocalDpi xmlns:a14="http://schemas.microsoft.com/office/drawing/2010/main" val="0"/>
+              </a:ext>
+            </a:extLst>
+          </a:blip>
+          <a:stretch>
+            <a:fillRect/>
+          </a:stretch>
+        </p:blipFill>
+        <p:spPr>
+          <a:xfrm>
+            <a:off x="3100757" y="1532809"/>
+            <a:ext cx="6088963" cy="5325192"/>
+          </a:xfrm>
+        </p:spPr>
+      </p:pic>
+      <p:sp>
+        <p:nvSpPr>
+          <p:cNvPr id="5" name="Nadpis 1"/>
           <p:cNvSpPr>
             <a:spLocks noGrp="1"/>
           </p:cNvSpPr>
@@ -5920,42 +6117,28 @@
             <p:ph type="title"/>
           </p:nvPr>
         </p:nvSpPr>
-        <p:spPr/>
+        <p:spPr>
+          <a:xfrm>
+            <a:off x="1295400" y="255134"/>
+            <a:ext cx="9601200" cy="1036850"/>
+          </a:xfrm>
+        </p:spPr>
         <p:txBody>
           <a:bodyPr/>
           <a:lstStyle/>
           <a:p>
             <a:r>
               <a:rPr lang="sk-SK" dirty="0" smtClean="0"/>
-              <a:t>Zostavenie systému</a:t>
-            </a:r>
-            <a:endParaRPr lang="sk-SK" dirty="0"/>
-          </a:p>
-        </p:txBody>
-      </p:sp>
-      <p:sp>
-        <p:nvSpPr>
-          <p:cNvPr id="3" name="Zástupný symbol obsahu 2"/>
-          <p:cNvSpPr>
-            <a:spLocks noGrp="1"/>
-          </p:cNvSpPr>
-          <p:nvPr>
-            <p:ph idx="1"/>
-          </p:nvPr>
-        </p:nvSpPr>
-        <p:spPr/>
-        <p:txBody>
-          <a:bodyPr/>
-          <a:lstStyle/>
-          <a:p>
-            <a:endParaRPr lang="sk-SK"/>
+              <a:t>Správa zmien</a:t>
+            </a:r>
+            <a:endParaRPr lang="sk-SK" dirty="0"/>
           </a:p>
         </p:txBody>
       </p:sp>
     </p:spTree>
     <p:extLst>
       <p:ext uri="{BB962C8B-B14F-4D97-AF65-F5344CB8AC3E}">
-        <p14:creationId xmlns:p14="http://schemas.microsoft.com/office/powerpoint/2010/main" val="942674995"/>
+        <p14:creationId xmlns:p14="http://schemas.microsoft.com/office/powerpoint/2010/main" val="1809001515"/>
       </p:ext>
     </p:extLst>
   </p:cSld>
@@ -6003,71 +6186,77 @@
       </p:grpSpPr>
       <p:sp>
         <p:nvSpPr>
-          <p:cNvPr id="2" name="Obdĺžnik 1"/>
-          <p:cNvSpPr/>
-          <p:nvPr/>
-        </p:nvSpPr>
-        <p:spPr>
-          <a:xfrm>
-            <a:off x="3458544" y="2906006"/>
-            <a:ext cx="5165197" cy="923330"/>
-          </a:xfrm>
-          <a:prstGeom prst="rect">
-            <a:avLst/>
-          </a:prstGeom>
-        </p:spPr>
-        <p:txBody>
-          <a:bodyPr wrap="none">
-            <a:spAutoFit/>
-          </a:bodyPr>
-          <a:lstStyle/>
-          <a:p>
-            <a:pPr algn="ctr"/>
-            <a:r>
-              <a:rPr lang="sk-SK" sz="5400" dirty="0" smtClean="0">
-                <a:solidFill>
-                  <a:srgbClr val="595959"/>
-                </a:solidFill>
-              </a:rPr>
-              <a:t>Správa  vydania</a:t>
-            </a:r>
-            <a:endParaRPr lang="sk-SK" sz="5400" dirty="0">
-              <a:solidFill>
-                <a:srgbClr val="595959"/>
-              </a:solidFill>
-            </a:endParaRPr>
+          <p:cNvPr id="2" name="Nadpis 1"/>
+          <p:cNvSpPr>
+            <a:spLocks noGrp="1"/>
+          </p:cNvSpPr>
+          <p:nvPr>
+            <p:ph type="title"/>
+          </p:nvPr>
+        </p:nvSpPr>
+        <p:spPr/>
+        <p:txBody>
+          <a:bodyPr/>
+          <a:lstStyle/>
+          <a:p>
+            <a:r>
+              <a:rPr lang="sk-SK" dirty="0" smtClean="0"/>
+              <a:t>Správa zmien</a:t>
+            </a:r>
+            <a:endParaRPr lang="sk-SK" dirty="0"/>
+          </a:p>
+        </p:txBody>
+      </p:sp>
+      <p:sp>
+        <p:nvSpPr>
+          <p:cNvPr id="3" name="Zástupný symbol obsahu 2"/>
+          <p:cNvSpPr>
+            <a:spLocks noGrp="1"/>
+          </p:cNvSpPr>
+          <p:nvPr>
+            <p:ph idx="1"/>
+          </p:nvPr>
+        </p:nvSpPr>
+        <p:spPr/>
+        <p:txBody>
+          <a:bodyPr/>
+          <a:lstStyle/>
+          <a:p>
+            <a:r>
+              <a:rPr lang="sk-SK" dirty="0" smtClean="0"/>
+              <a:t>V prípade extrémneho programovania sa na rozhodovaní o implementácií zmeny priamo podieľa aj zákazník</a:t>
+            </a:r>
+          </a:p>
+          <a:p>
+            <a:r>
+              <a:rPr lang="sk-SK" dirty="0" smtClean="0"/>
+              <a:t>Niekedy samotný programátor má dobrý nápad na vylepšenie produktu</a:t>
+            </a:r>
           </a:p>
         </p:txBody>
       </p:sp>
     </p:spTree>
     <p:extLst>
       <p:ext uri="{BB962C8B-B14F-4D97-AF65-F5344CB8AC3E}">
-        <p14:creationId xmlns:p14="http://schemas.microsoft.com/office/powerpoint/2010/main" val="661885958"/>
+        <p14:creationId xmlns:p14="http://schemas.microsoft.com/office/powerpoint/2010/main" val="3340197346"/>
       </p:ext>
     </p:extLst>
   </p:cSld>
   <p:clrMapOvr>
     <a:masterClrMapping/>
   </p:clrMapOvr>
-  <mc:AlternateContent xmlns:mc="http://schemas.openxmlformats.org/markup-compatibility/2006" xmlns:p14="http://schemas.microsoft.com/office/powerpoint/2010/main">
-    <mc:Choice Requires="p14">
+  <mc:AlternateContent xmlns:mc="http://schemas.openxmlformats.org/markup-compatibility/2006">
+    <mc:Choice xmlns:p14="http://schemas.microsoft.com/office/powerpoint/2010/main" Requires="p14">
       <p:transition spd="med" p14:dur="700">
         <p:fade/>
       </p:transition>
     </mc:Choice>
-    <mc:Fallback xmlns="">
+    <mc:Fallback>
       <p:transition spd="med">
         <p:fade/>
       </p:transition>
     </mc:Fallback>
   </mc:AlternateContent>
-  <p:timing>
-    <p:tnLst>
-      <p:par>
-        <p:cTn id="1" dur="indefinite" restart="never" nodeType="tmRoot"/>
-      </p:par>
-    </p:tnLst>
-  </p:timing>
 </p:sld>
 </file>
 
@@ -6090,50 +6279,46 @@
       </p:grpSpPr>
       <p:sp>
         <p:nvSpPr>
-          <p:cNvPr id="2" name="Nadpis 1"/>
-          <p:cNvSpPr>
-            <a:spLocks noGrp="1"/>
-          </p:cNvSpPr>
-          <p:nvPr>
-            <p:ph type="title"/>
-          </p:nvPr>
-        </p:nvSpPr>
-        <p:spPr/>
-        <p:txBody>
-          <a:bodyPr/>
-          <a:lstStyle/>
-          <a:p>
-            <a:r>
-              <a:rPr lang="sk-SK" dirty="0" smtClean="0"/>
-              <a:t>Správa vydania</a:t>
-            </a:r>
-            <a:endParaRPr lang="sk-SK" dirty="0"/>
-          </a:p>
-        </p:txBody>
-      </p:sp>
-      <p:sp>
-        <p:nvSpPr>
-          <p:cNvPr id="3" name="Zástupný symbol obsahu 2"/>
-          <p:cNvSpPr>
-            <a:spLocks noGrp="1"/>
-          </p:cNvSpPr>
-          <p:nvPr>
-            <p:ph idx="1"/>
-          </p:nvPr>
-        </p:nvSpPr>
-        <p:spPr/>
-        <p:txBody>
-          <a:bodyPr/>
-          <a:lstStyle/>
-          <a:p>
-            <a:endParaRPr lang="sk-SK"/>
+          <p:cNvPr id="2" name="Obdĺžnik 1"/>
+          <p:cNvSpPr/>
+          <p:nvPr/>
+        </p:nvSpPr>
+        <p:spPr>
+          <a:xfrm>
+            <a:off x="3834449" y="2906006"/>
+            <a:ext cx="4413389" cy="923330"/>
+          </a:xfrm>
+          <a:prstGeom prst="rect">
+            <a:avLst/>
+          </a:prstGeom>
+        </p:spPr>
+        <p:txBody>
+          <a:bodyPr wrap="none">
+            <a:spAutoFit/>
+          </a:bodyPr>
+          <a:lstStyle/>
+          <a:p>
+            <a:pPr algn="ctr"/>
+            <a:r>
+              <a:rPr lang="sk-SK" sz="5400" dirty="0" smtClean="0">
+                <a:solidFill>
+                  <a:srgbClr val="595959"/>
+                </a:solidFill>
+              </a:rPr>
+              <a:t>Správa  verzií</a:t>
+            </a:r>
+            <a:endParaRPr lang="sk-SK" sz="5400" dirty="0">
+              <a:solidFill>
+                <a:srgbClr val="595959"/>
+              </a:solidFill>
+            </a:endParaRPr>
           </a:p>
         </p:txBody>
       </p:sp>
     </p:spTree>
     <p:extLst>
       <p:ext uri="{BB962C8B-B14F-4D97-AF65-F5344CB8AC3E}">
-        <p14:creationId xmlns:p14="http://schemas.microsoft.com/office/powerpoint/2010/main" val="3580497272"/>
+        <p14:creationId xmlns:p14="http://schemas.microsoft.com/office/powerpoint/2010/main" val="844742060"/>
       </p:ext>
     </p:extLst>
   </p:cSld>
@@ -6196,7 +6381,7 @@
           <a:p>
             <a:r>
               <a:rPr lang="sk-SK" dirty="0" smtClean="0"/>
-              <a:t>Zdroje</a:t>
+              <a:t>Správa verzií</a:t>
             </a:r>
             <a:endParaRPr lang="sk-SK" dirty="0"/>
           </a:p>
@@ -6217,14 +6402,14 @@
           <a:bodyPr/>
           <a:lstStyle/>
           <a:p>
-            <a:endParaRPr lang="sk-SK" dirty="0"/>
+            <a:endParaRPr lang="sk-SK"/>
           </a:p>
         </p:txBody>
       </p:sp>
     </p:spTree>
     <p:extLst>
       <p:ext uri="{BB962C8B-B14F-4D97-AF65-F5344CB8AC3E}">
-        <p14:creationId xmlns:p14="http://schemas.microsoft.com/office/powerpoint/2010/main" val="623721214"/>
+        <p14:creationId xmlns:p14="http://schemas.microsoft.com/office/powerpoint/2010/main" val="1754304128"/>
       </p:ext>
     </p:extLst>
   </p:cSld>
@@ -6278,8 +6463,8 @@
         </p:nvSpPr>
         <p:spPr>
           <a:xfrm>
-            <a:off x="3093451" y="2915150"/>
-            <a:ext cx="5758308" cy="707886"/>
+            <a:off x="2900702" y="2906006"/>
+            <a:ext cx="6280887" cy="923330"/>
           </a:xfrm>
           <a:prstGeom prst="rect">
             <a:avLst/>
@@ -6293,20 +6478,203 @@
           <a:p>
             <a:pPr algn="ctr"/>
             <a:r>
-              <a:rPr lang="sk-SK" sz="4000" dirty="0">
+              <a:rPr lang="sk-SK" sz="5400" dirty="0" smtClean="0">
                 <a:solidFill>
                   <a:srgbClr val="595959"/>
                 </a:solidFill>
               </a:rPr>
-              <a:t>Ďakujeme za pozornosť!</a:t>
-            </a:r>
+              <a:t>Zostavenie systému</a:t>
+            </a:r>
+            <a:endParaRPr lang="sk-SK" sz="5400" dirty="0">
+              <a:solidFill>
+                <a:srgbClr val="595959"/>
+              </a:solidFill>
+            </a:endParaRPr>
           </a:p>
         </p:txBody>
       </p:sp>
     </p:spTree>
     <p:extLst>
       <p:ext uri="{BB962C8B-B14F-4D97-AF65-F5344CB8AC3E}">
-        <p14:creationId xmlns:p14="http://schemas.microsoft.com/office/powerpoint/2010/main" val="1027478751"/>
+        <p14:creationId xmlns:p14="http://schemas.microsoft.com/office/powerpoint/2010/main" val="3384020815"/>
+      </p:ext>
+    </p:extLst>
+  </p:cSld>
+  <p:clrMapOvr>
+    <a:masterClrMapping/>
+  </p:clrMapOvr>
+  <mc:AlternateContent xmlns:mc="http://schemas.openxmlformats.org/markup-compatibility/2006" xmlns:p14="http://schemas.microsoft.com/office/powerpoint/2010/main">
+    <mc:Choice Requires="p14">
+      <p:transition spd="med" p14:dur="700">
+        <p:fade/>
+      </p:transition>
+    </mc:Choice>
+    <mc:Fallback xmlns="">
+      <p:transition spd="med">
+        <p:fade/>
+      </p:transition>
+    </mc:Fallback>
+  </mc:AlternateContent>
+  <p:timing>
+    <p:tnLst>
+      <p:par>
+        <p:cTn id="1" dur="indefinite" restart="never" nodeType="tmRoot"/>
+      </p:par>
+    </p:tnLst>
+  </p:timing>
+</p:sld>
+</file>
+
+<file path=ppt/slides/slide18.xml><?xml version="1.0" encoding="utf-8"?>
+<p:sld xmlns:a="http://schemas.openxmlformats.org/drawingml/2006/main" xmlns:r="http://schemas.openxmlformats.org/officeDocument/2006/relationships" xmlns:p="http://schemas.openxmlformats.org/presentationml/2006/main">
+  <p:cSld>
+    <p:spTree>
+      <p:nvGrpSpPr>
+        <p:cNvPr id="1" name=""/>
+        <p:cNvGrpSpPr/>
+        <p:nvPr/>
+      </p:nvGrpSpPr>
+      <p:grpSpPr>
+        <a:xfrm>
+          <a:off x="0" y="0"/>
+          <a:ext cx="0" cy="0"/>
+          <a:chOff x="0" y="0"/>
+          <a:chExt cx="0" cy="0"/>
+        </a:xfrm>
+      </p:grpSpPr>
+      <p:sp>
+        <p:nvSpPr>
+          <p:cNvPr id="2" name="Nadpis 1"/>
+          <p:cNvSpPr>
+            <a:spLocks noGrp="1"/>
+          </p:cNvSpPr>
+          <p:nvPr>
+            <p:ph type="title"/>
+          </p:nvPr>
+        </p:nvSpPr>
+        <p:spPr/>
+        <p:txBody>
+          <a:bodyPr/>
+          <a:lstStyle/>
+          <a:p>
+            <a:r>
+              <a:rPr lang="sk-SK" dirty="0" smtClean="0"/>
+              <a:t>Zostavenie systému</a:t>
+            </a:r>
+            <a:endParaRPr lang="sk-SK" dirty="0"/>
+          </a:p>
+        </p:txBody>
+      </p:sp>
+      <p:sp>
+        <p:nvSpPr>
+          <p:cNvPr id="3" name="Zástupný symbol obsahu 2"/>
+          <p:cNvSpPr>
+            <a:spLocks noGrp="1"/>
+          </p:cNvSpPr>
+          <p:nvPr>
+            <p:ph idx="1"/>
+          </p:nvPr>
+        </p:nvSpPr>
+        <p:spPr/>
+        <p:txBody>
+          <a:bodyPr/>
+          <a:lstStyle/>
+          <a:p>
+            <a:endParaRPr lang="sk-SK"/>
+          </a:p>
+        </p:txBody>
+      </p:sp>
+    </p:spTree>
+    <p:extLst>
+      <p:ext uri="{BB962C8B-B14F-4D97-AF65-F5344CB8AC3E}">
+        <p14:creationId xmlns:p14="http://schemas.microsoft.com/office/powerpoint/2010/main" val="942674995"/>
+      </p:ext>
+    </p:extLst>
+  </p:cSld>
+  <p:clrMapOvr>
+    <a:masterClrMapping/>
+  </p:clrMapOvr>
+  <mc:AlternateContent xmlns:mc="http://schemas.openxmlformats.org/markup-compatibility/2006" xmlns:p14="http://schemas.microsoft.com/office/powerpoint/2010/main">
+    <mc:Choice Requires="p14">
+      <p:transition spd="med" p14:dur="700">
+        <p:fade/>
+      </p:transition>
+    </mc:Choice>
+    <mc:Fallback xmlns="">
+      <p:transition spd="med">
+        <p:fade/>
+      </p:transition>
+    </mc:Fallback>
+  </mc:AlternateContent>
+  <p:timing>
+    <p:tnLst>
+      <p:par>
+        <p:cTn id="1" dur="indefinite" restart="never" nodeType="tmRoot"/>
+      </p:par>
+    </p:tnLst>
+  </p:timing>
+</p:sld>
+</file>
+
+<file path=ppt/slides/slide19.xml><?xml version="1.0" encoding="utf-8"?>
+<p:sld xmlns:a="http://schemas.openxmlformats.org/drawingml/2006/main" xmlns:r="http://schemas.openxmlformats.org/officeDocument/2006/relationships" xmlns:p="http://schemas.openxmlformats.org/presentationml/2006/main">
+  <p:cSld>
+    <p:spTree>
+      <p:nvGrpSpPr>
+        <p:cNvPr id="1" name=""/>
+        <p:cNvGrpSpPr/>
+        <p:nvPr/>
+      </p:nvGrpSpPr>
+      <p:grpSpPr>
+        <a:xfrm>
+          <a:off x="0" y="0"/>
+          <a:ext cx="0" cy="0"/>
+          <a:chOff x="0" y="0"/>
+          <a:chExt cx="0" cy="0"/>
+        </a:xfrm>
+      </p:grpSpPr>
+      <p:sp>
+        <p:nvSpPr>
+          <p:cNvPr id="2" name="Obdĺžnik 1"/>
+          <p:cNvSpPr/>
+          <p:nvPr/>
+        </p:nvSpPr>
+        <p:spPr>
+          <a:xfrm>
+            <a:off x="3458544" y="2906006"/>
+            <a:ext cx="5165197" cy="923330"/>
+          </a:xfrm>
+          <a:prstGeom prst="rect">
+            <a:avLst/>
+          </a:prstGeom>
+        </p:spPr>
+        <p:txBody>
+          <a:bodyPr wrap="none">
+            <a:spAutoFit/>
+          </a:bodyPr>
+          <a:lstStyle/>
+          <a:p>
+            <a:pPr algn="ctr"/>
+            <a:r>
+              <a:rPr lang="sk-SK" sz="5400" dirty="0" smtClean="0">
+                <a:solidFill>
+                  <a:srgbClr val="595959"/>
+                </a:solidFill>
+              </a:rPr>
+              <a:t>Správa  vydania</a:t>
+            </a:r>
+            <a:endParaRPr lang="sk-SK" sz="5400" dirty="0">
+              <a:solidFill>
+                <a:srgbClr val="595959"/>
+              </a:solidFill>
+            </a:endParaRPr>
+          </a:p>
+        </p:txBody>
+      </p:sp>
+    </p:spTree>
+    <p:extLst>
+      <p:ext uri="{BB962C8B-B14F-4D97-AF65-F5344CB8AC3E}">
+        <p14:creationId xmlns:p14="http://schemas.microsoft.com/office/powerpoint/2010/main" val="661885958"/>
       </p:ext>
     </p:extLst>
   </p:cSld>
@@ -6398,11 +6766,7 @@
           <a:p>
             <a:r>
               <a:rPr lang="sk-SK" dirty="0" smtClean="0"/>
-              <a:t>Správa </a:t>
-            </a:r>
-            <a:r>
-              <a:rPr lang="sk-SK" dirty="0" smtClean="0"/>
-              <a:t>zmien</a:t>
+              <a:t>Správa zmien</a:t>
             </a:r>
           </a:p>
           <a:p>
@@ -6420,11 +6784,7 @@
           <a:p>
             <a:r>
               <a:rPr lang="sk-SK" dirty="0" smtClean="0"/>
-              <a:t>Správa </a:t>
-            </a:r>
-            <a:r>
-              <a:rPr lang="sk-SK" dirty="0" smtClean="0"/>
-              <a:t>vydania</a:t>
+              <a:t>Správa vydania</a:t>
             </a:r>
           </a:p>
           <a:p>
@@ -6436,6 +6796,270 @@
     <p:extLst>
       <p:ext uri="{BB962C8B-B14F-4D97-AF65-F5344CB8AC3E}">
         <p14:creationId xmlns:p14="http://schemas.microsoft.com/office/powerpoint/2010/main" val="283000878"/>
+      </p:ext>
+    </p:extLst>
+  </p:cSld>
+  <p:clrMapOvr>
+    <a:masterClrMapping/>
+  </p:clrMapOvr>
+  <mc:AlternateContent xmlns:mc="http://schemas.openxmlformats.org/markup-compatibility/2006" xmlns:p14="http://schemas.microsoft.com/office/powerpoint/2010/main">
+    <mc:Choice Requires="p14">
+      <p:transition spd="med" p14:dur="700">
+        <p:fade/>
+      </p:transition>
+    </mc:Choice>
+    <mc:Fallback xmlns="">
+      <p:transition spd="med">
+        <p:fade/>
+      </p:transition>
+    </mc:Fallback>
+  </mc:AlternateContent>
+  <p:timing>
+    <p:tnLst>
+      <p:par>
+        <p:cTn id="1" dur="indefinite" restart="never" nodeType="tmRoot"/>
+      </p:par>
+    </p:tnLst>
+  </p:timing>
+</p:sld>
+</file>
+
+<file path=ppt/slides/slide20.xml><?xml version="1.0" encoding="utf-8"?>
+<p:sld xmlns:a="http://schemas.openxmlformats.org/drawingml/2006/main" xmlns:r="http://schemas.openxmlformats.org/officeDocument/2006/relationships" xmlns:p="http://schemas.openxmlformats.org/presentationml/2006/main">
+  <p:cSld>
+    <p:spTree>
+      <p:nvGrpSpPr>
+        <p:cNvPr id="1" name=""/>
+        <p:cNvGrpSpPr/>
+        <p:nvPr/>
+      </p:nvGrpSpPr>
+      <p:grpSpPr>
+        <a:xfrm>
+          <a:off x="0" y="0"/>
+          <a:ext cx="0" cy="0"/>
+          <a:chOff x="0" y="0"/>
+          <a:chExt cx="0" cy="0"/>
+        </a:xfrm>
+      </p:grpSpPr>
+      <p:sp>
+        <p:nvSpPr>
+          <p:cNvPr id="2" name="Nadpis 1"/>
+          <p:cNvSpPr>
+            <a:spLocks noGrp="1"/>
+          </p:cNvSpPr>
+          <p:nvPr>
+            <p:ph type="title"/>
+          </p:nvPr>
+        </p:nvSpPr>
+        <p:spPr/>
+        <p:txBody>
+          <a:bodyPr/>
+          <a:lstStyle/>
+          <a:p>
+            <a:r>
+              <a:rPr lang="sk-SK" dirty="0" smtClean="0"/>
+              <a:t>Správa vydania</a:t>
+            </a:r>
+            <a:endParaRPr lang="sk-SK" dirty="0"/>
+          </a:p>
+        </p:txBody>
+      </p:sp>
+      <p:sp>
+        <p:nvSpPr>
+          <p:cNvPr id="3" name="Zástupný symbol obsahu 2"/>
+          <p:cNvSpPr>
+            <a:spLocks noGrp="1"/>
+          </p:cNvSpPr>
+          <p:nvPr>
+            <p:ph idx="1"/>
+          </p:nvPr>
+        </p:nvSpPr>
+        <p:spPr/>
+        <p:txBody>
+          <a:bodyPr/>
+          <a:lstStyle/>
+          <a:p>
+            <a:endParaRPr lang="sk-SK"/>
+          </a:p>
+        </p:txBody>
+      </p:sp>
+    </p:spTree>
+    <p:extLst>
+      <p:ext uri="{BB962C8B-B14F-4D97-AF65-F5344CB8AC3E}">
+        <p14:creationId xmlns:p14="http://schemas.microsoft.com/office/powerpoint/2010/main" val="3580497272"/>
+      </p:ext>
+    </p:extLst>
+  </p:cSld>
+  <p:clrMapOvr>
+    <a:masterClrMapping/>
+  </p:clrMapOvr>
+  <mc:AlternateContent xmlns:mc="http://schemas.openxmlformats.org/markup-compatibility/2006" xmlns:p14="http://schemas.microsoft.com/office/powerpoint/2010/main">
+    <mc:Choice Requires="p14">
+      <p:transition spd="med" p14:dur="700">
+        <p:fade/>
+      </p:transition>
+    </mc:Choice>
+    <mc:Fallback xmlns="">
+      <p:transition spd="med">
+        <p:fade/>
+      </p:transition>
+    </mc:Fallback>
+  </mc:AlternateContent>
+  <p:timing>
+    <p:tnLst>
+      <p:par>
+        <p:cTn id="1" dur="indefinite" restart="never" nodeType="tmRoot"/>
+      </p:par>
+    </p:tnLst>
+  </p:timing>
+</p:sld>
+</file>
+
+<file path=ppt/slides/slide21.xml><?xml version="1.0" encoding="utf-8"?>
+<p:sld xmlns:a="http://schemas.openxmlformats.org/drawingml/2006/main" xmlns:r="http://schemas.openxmlformats.org/officeDocument/2006/relationships" xmlns:p="http://schemas.openxmlformats.org/presentationml/2006/main">
+  <p:cSld>
+    <p:spTree>
+      <p:nvGrpSpPr>
+        <p:cNvPr id="1" name=""/>
+        <p:cNvGrpSpPr/>
+        <p:nvPr/>
+      </p:nvGrpSpPr>
+      <p:grpSpPr>
+        <a:xfrm>
+          <a:off x="0" y="0"/>
+          <a:ext cx="0" cy="0"/>
+          <a:chOff x="0" y="0"/>
+          <a:chExt cx="0" cy="0"/>
+        </a:xfrm>
+      </p:grpSpPr>
+      <p:sp>
+        <p:nvSpPr>
+          <p:cNvPr id="2" name="Nadpis 1"/>
+          <p:cNvSpPr>
+            <a:spLocks noGrp="1"/>
+          </p:cNvSpPr>
+          <p:nvPr>
+            <p:ph type="title"/>
+          </p:nvPr>
+        </p:nvSpPr>
+        <p:spPr/>
+        <p:txBody>
+          <a:bodyPr/>
+          <a:lstStyle/>
+          <a:p>
+            <a:r>
+              <a:rPr lang="sk-SK" dirty="0" smtClean="0"/>
+              <a:t>Zdroje</a:t>
+            </a:r>
+            <a:endParaRPr lang="sk-SK" dirty="0"/>
+          </a:p>
+        </p:txBody>
+      </p:sp>
+      <p:sp>
+        <p:nvSpPr>
+          <p:cNvPr id="3" name="Zástupný symbol obsahu 2"/>
+          <p:cNvSpPr>
+            <a:spLocks noGrp="1"/>
+          </p:cNvSpPr>
+          <p:nvPr>
+            <p:ph idx="1"/>
+          </p:nvPr>
+        </p:nvSpPr>
+        <p:spPr/>
+        <p:txBody>
+          <a:bodyPr/>
+          <a:lstStyle/>
+          <a:p>
+            <a:endParaRPr lang="sk-SK" dirty="0"/>
+          </a:p>
+        </p:txBody>
+      </p:sp>
+    </p:spTree>
+    <p:extLst>
+      <p:ext uri="{BB962C8B-B14F-4D97-AF65-F5344CB8AC3E}">
+        <p14:creationId xmlns:p14="http://schemas.microsoft.com/office/powerpoint/2010/main" val="623721214"/>
+      </p:ext>
+    </p:extLst>
+  </p:cSld>
+  <p:clrMapOvr>
+    <a:masterClrMapping/>
+  </p:clrMapOvr>
+  <mc:AlternateContent xmlns:mc="http://schemas.openxmlformats.org/markup-compatibility/2006" xmlns:p14="http://schemas.microsoft.com/office/powerpoint/2010/main">
+    <mc:Choice Requires="p14">
+      <p:transition spd="med" p14:dur="700">
+        <p:fade/>
+      </p:transition>
+    </mc:Choice>
+    <mc:Fallback xmlns="">
+      <p:transition spd="med">
+        <p:fade/>
+      </p:transition>
+    </mc:Fallback>
+  </mc:AlternateContent>
+  <p:timing>
+    <p:tnLst>
+      <p:par>
+        <p:cTn id="1" dur="indefinite" restart="never" nodeType="tmRoot"/>
+      </p:par>
+    </p:tnLst>
+  </p:timing>
+</p:sld>
+</file>
+
+<file path=ppt/slides/slide22.xml><?xml version="1.0" encoding="utf-8"?>
+<p:sld xmlns:a="http://schemas.openxmlformats.org/drawingml/2006/main" xmlns:r="http://schemas.openxmlformats.org/officeDocument/2006/relationships" xmlns:p="http://schemas.openxmlformats.org/presentationml/2006/main">
+  <p:cSld>
+    <p:spTree>
+      <p:nvGrpSpPr>
+        <p:cNvPr id="1" name=""/>
+        <p:cNvGrpSpPr/>
+        <p:nvPr/>
+      </p:nvGrpSpPr>
+      <p:grpSpPr>
+        <a:xfrm>
+          <a:off x="0" y="0"/>
+          <a:ext cx="0" cy="0"/>
+          <a:chOff x="0" y="0"/>
+          <a:chExt cx="0" cy="0"/>
+        </a:xfrm>
+      </p:grpSpPr>
+      <p:sp>
+        <p:nvSpPr>
+          <p:cNvPr id="2" name="Obdĺžnik 1"/>
+          <p:cNvSpPr/>
+          <p:nvPr/>
+        </p:nvSpPr>
+        <p:spPr>
+          <a:xfrm>
+            <a:off x="3093451" y="2915150"/>
+            <a:ext cx="5758308" cy="707886"/>
+          </a:xfrm>
+          <a:prstGeom prst="rect">
+            <a:avLst/>
+          </a:prstGeom>
+        </p:spPr>
+        <p:txBody>
+          <a:bodyPr wrap="none">
+            <a:spAutoFit/>
+          </a:bodyPr>
+          <a:lstStyle/>
+          <a:p>
+            <a:pPr algn="ctr"/>
+            <a:r>
+              <a:rPr lang="sk-SK" sz="4000" dirty="0">
+                <a:solidFill>
+                  <a:srgbClr val="595959"/>
+                </a:solidFill>
+              </a:rPr>
+              <a:t>Ďakujeme za pozornosť!</a:t>
+            </a:r>
+          </a:p>
+        </p:txBody>
+      </p:sp>
+    </p:spTree>
+    <p:extLst>
+      <p:ext uri="{BB962C8B-B14F-4D97-AF65-F5344CB8AC3E}">
+        <p14:creationId xmlns:p14="http://schemas.microsoft.com/office/powerpoint/2010/main" val="1027478751"/>
       </p:ext>
     </p:extLst>
   </p:cSld>
@@ -6529,13 +7153,13 @@
   <p:clrMapOvr>
     <a:masterClrMapping/>
   </p:clrMapOvr>
-  <mc:AlternateContent xmlns:mc="http://schemas.openxmlformats.org/markup-compatibility/2006">
-    <mc:Choice xmlns:p14="http://schemas.microsoft.com/office/powerpoint/2010/main" Requires="p14">
+  <mc:AlternateContent xmlns:mc="http://schemas.openxmlformats.org/markup-compatibility/2006" xmlns:p14="http://schemas.microsoft.com/office/powerpoint/2010/main">
+    <mc:Choice Requires="p14">
       <p:transition spd="med" p14:dur="700">
         <p:fade/>
       </p:transition>
     </mc:Choice>
-    <mc:Fallback>
+    <mc:Fallback xmlns="">
       <p:transition spd="med">
         <p:fade/>
       </p:transition>
@@ -6859,7 +7483,11 @@
             <a:pPr lvl="1"/>
             <a:r>
               <a:rPr lang="sk-SK" dirty="0" smtClean="0"/>
-              <a:t>tými majú prístup k informáciám o vyvíjanom systéme a nenarušujú si prácu</a:t>
+              <a:t>tímy </a:t>
+            </a:r>
+            <a:r>
+              <a:rPr lang="sk-SK" dirty="0" smtClean="0"/>
+              <a:t>majú prístup k informáciám o vyvíjanom systéme a nenarušujú si prácu</a:t>
             </a:r>
           </a:p>
           <a:p>
@@ -6880,13 +7508,13 @@
   <p:clrMapOvr>
     <a:masterClrMapping/>
   </p:clrMapOvr>
-  <mc:AlternateContent xmlns:mc="http://schemas.openxmlformats.org/markup-compatibility/2006">
-    <mc:Choice xmlns:p14="http://schemas.microsoft.com/office/powerpoint/2010/main" Requires="p14">
+  <mc:AlternateContent xmlns:mc="http://schemas.openxmlformats.org/markup-compatibility/2006" xmlns:p14="http://schemas.microsoft.com/office/powerpoint/2010/main">
+    <mc:Choice Requires="p14">
       <p:transition spd="med" p14:dur="700">
         <p:fade/>
       </p:transition>
     </mc:Choice>
-    <mc:Fallback>
+    <mc:Fallback xmlns="">
       <p:transition spd="med">
         <p:fade/>
       </p:transition>
@@ -7026,13 +7654,13 @@
   <p:clrMapOvr>
     <a:masterClrMapping/>
   </p:clrMapOvr>
-  <mc:AlternateContent xmlns:mc="http://schemas.openxmlformats.org/markup-compatibility/2006">
-    <mc:Choice xmlns:p14="http://schemas.microsoft.com/office/powerpoint/2010/main" Requires="p14">
+  <mc:AlternateContent xmlns:mc="http://schemas.openxmlformats.org/markup-compatibility/2006" xmlns:p14="http://schemas.microsoft.com/office/powerpoint/2010/main">
+    <mc:Choice Requires="p14">
       <p:transition spd="med" p14:dur="700">
         <p:fade/>
       </p:transition>
     </mc:Choice>
-    <mc:Fallback>
+    <mc:Fallback xmlns="">
       <p:transition spd="med">
         <p:fade/>
       </p:transition>
@@ -7105,13 +7733,13 @@
   <p:clrMapOvr>
     <a:masterClrMapping/>
   </p:clrMapOvr>
-  <mc:AlternateContent xmlns:mc="http://schemas.openxmlformats.org/markup-compatibility/2006">
-    <mc:Choice xmlns:p14="http://schemas.microsoft.com/office/powerpoint/2010/main" Requires="p14">
+  <mc:AlternateContent xmlns:mc="http://schemas.openxmlformats.org/markup-compatibility/2006" xmlns:p14="http://schemas.microsoft.com/office/powerpoint/2010/main">
+    <mc:Choice Requires="p14">
       <p:transition spd="med" p14:dur="700">
         <p:fade/>
       </p:transition>
     </mc:Choice>
-    <mc:Fallback>
+    <mc:Fallback xmlns="">
       <p:transition spd="med">
         <p:fade/>
       </p:transition>
@@ -7268,12 +7896,102 @@
             <p:ph idx="1"/>
           </p:nvPr>
         </p:nvSpPr>
-        <p:spPr/>
+        <p:spPr>
+          <a:xfrm>
+            <a:off x="1295400" y="1828800"/>
+            <a:ext cx="9601200" cy="4910328"/>
+          </a:xfrm>
+        </p:spPr>
         <p:txBody>
           <a:bodyPr/>
           <a:lstStyle/>
           <a:p>
-            <a:endParaRPr lang="sk-SK"/>
+            <a:r>
+              <a:rPr lang="sk-SK" dirty="0" smtClean="0"/>
+              <a:t>Zaisťuje, že evolúcia systému je riadený proces a prioritu dostávajú najnaliehavejšie a najekonomickejšie zmeny.</a:t>
+            </a:r>
+          </a:p>
+          <a:p>
+            <a:r>
+              <a:rPr lang="sk-SK" dirty="0" smtClean="0"/>
+              <a:t>Proces je inicializovaný odoslaním žiadosti zákazníkom</a:t>
+            </a:r>
+          </a:p>
+          <a:p>
+            <a:pPr lvl="1"/>
+            <a:r>
+              <a:rPr lang="sk-SK" dirty="0"/>
+              <a:t>c</a:t>
+            </a:r>
+            <a:r>
+              <a:rPr lang="sk-SK" dirty="0" smtClean="0"/>
+              <a:t>hyba</a:t>
+            </a:r>
+          </a:p>
+          <a:p>
+            <a:pPr lvl="1"/>
+            <a:r>
+              <a:rPr lang="sk-SK" dirty="0" smtClean="0"/>
+              <a:t>nová funkcionalita</a:t>
+            </a:r>
+          </a:p>
+          <a:p>
+            <a:r>
+              <a:rPr lang="sk-SK" dirty="0" smtClean="0"/>
+              <a:t>Žiadosti sú odosielané cez formulár</a:t>
+            </a:r>
+          </a:p>
+          <a:p>
+            <a:pPr lvl="1"/>
+            <a:r>
+              <a:rPr lang="sk-SK" dirty="0"/>
+              <a:t>z</a:t>
+            </a:r>
+            <a:r>
+              <a:rPr lang="sk-SK" dirty="0" smtClean="0"/>
+              <a:t>meny</a:t>
+            </a:r>
+          </a:p>
+          <a:p>
+            <a:pPr lvl="1"/>
+            <a:r>
+              <a:rPr lang="sk-SK" dirty="0" smtClean="0"/>
+              <a:t>prioritu</a:t>
+            </a:r>
+          </a:p>
+          <a:p>
+            <a:pPr lvl="1"/>
+            <a:r>
+              <a:rPr lang="sk-SK" dirty="0" smtClean="0"/>
+              <a:t>odhadované náklady</a:t>
+            </a:r>
+          </a:p>
+          <a:p>
+            <a:pPr lvl="1"/>
+            <a:r>
+              <a:rPr lang="sk-SK" dirty="0"/>
+              <a:t>p</a:t>
+            </a:r>
+            <a:r>
+              <a:rPr lang="sk-SK" dirty="0" smtClean="0"/>
+              <a:t>opis</a:t>
+            </a:r>
+          </a:p>
+          <a:p>
+            <a:pPr lvl="1"/>
+            <a:r>
+              <a:rPr lang="sk-SK" dirty="0" err="1"/>
+              <a:t>a</a:t>
+            </a:r>
+            <a:r>
+              <a:rPr lang="sk-SK" dirty="0" err="1" smtClean="0"/>
+              <a:t>tď</a:t>
+            </a:r>
+            <a:endParaRPr lang="sk-SK" dirty="0" smtClean="0"/>
+          </a:p>
+          <a:p>
+            <a:pPr lvl="1"/>
+            <a:endParaRPr lang="sk-SK" dirty="0" smtClean="0"/>
           </a:p>
         </p:txBody>
       </p:sp>

--- a/swib.pptx
+++ b/swib.pptx
@@ -5,10 +5,10 @@
     <p:sldMasterId id="2147483648" r:id="rId2"/>
   </p:sldMasterIdLst>
   <p:notesMasterIdLst>
-    <p:notesMasterId r:id="rId25"/>
+    <p:notesMasterId r:id="rId30"/>
   </p:notesMasterIdLst>
   <p:handoutMasterIdLst>
-    <p:handoutMasterId r:id="rId26"/>
+    <p:handoutMasterId r:id="rId31"/>
   </p:handoutMasterIdLst>
   <p:sldIdLst>
     <p:sldId id="257" r:id="rId3"/>
@@ -29,10 +29,15 @@
     <p:sldId id="261" r:id="rId18"/>
     <p:sldId id="269" r:id="rId19"/>
     <p:sldId id="262" r:id="rId20"/>
-    <p:sldId id="272" r:id="rId21"/>
-    <p:sldId id="263" r:id="rId22"/>
-    <p:sldId id="264" r:id="rId23"/>
-    <p:sldId id="265" r:id="rId24"/>
+    <p:sldId id="280" r:id="rId21"/>
+    <p:sldId id="281" r:id="rId22"/>
+    <p:sldId id="282" r:id="rId23"/>
+    <p:sldId id="283" r:id="rId24"/>
+    <p:sldId id="272" r:id="rId25"/>
+    <p:sldId id="263" r:id="rId26"/>
+    <p:sldId id="284" r:id="rId27"/>
+    <p:sldId id="285" r:id="rId28"/>
+    <p:sldId id="265" r:id="rId29"/>
   </p:sldIdLst>
   <p:sldSz cx="12192000" cy="6858000"/>
   <p:notesSz cx="6858000" cy="9144000"/>
@@ -224,7 +229,7 @@
           <a:p>
             <a:fld id="{D63D5444-F62C-42C3-A75A-D9DBA807730F}" type="datetimeFigureOut">
               <a:rPr lang="sk-SK" smtClean="0"/>
-              <a:t>13.12.2015</a:t>
+              <a:t>17.12.2015</a:t>
             </a:fld>
             <a:endParaRPr lang="sk-SK" dirty="0"/>
           </a:p>
@@ -389,7 +394,7 @@
           <a:p>
             <a:fld id="{12CAA1FA-7B6A-47D2-8D61-F225D71B51FF}" type="datetimeFigureOut">
               <a:rPr lang="sk-SK" smtClean="0"/>
-              <a:t>13.12.2015</a:t>
+              <a:t>17.12.2015</a:t>
             </a:fld>
             <a:endParaRPr lang="sk-SK" dirty="0"/>
           </a:p>
@@ -1230,7 +1235,7 @@
           <a:p>
             <a:fld id="{A79A3335-6331-4872-A8B7-ECD55539F4D0}" type="datetimeFigureOut">
               <a:rPr lang="sk-SK" smtClean="0"/>
-              <a:t>13.12.2015</a:t>
+              <a:t>17.12.2015</a:t>
             </a:fld>
             <a:endParaRPr lang="sk-SK" dirty="0"/>
           </a:p>
@@ -1489,7 +1494,7 @@
           <a:p>
             <a:fld id="{A79A3335-6331-4872-A8B7-ECD55539F4D0}" type="datetimeFigureOut">
               <a:rPr lang="sk-SK" smtClean="0"/>
-              <a:t>13.12.2015</a:t>
+              <a:t>17.12.2015</a:t>
             </a:fld>
             <a:endParaRPr lang="sk-SK" dirty="0"/>
           </a:p>
@@ -2017,7 +2022,7 @@
           <a:p>
             <a:fld id="{A79A3335-6331-4872-A8B7-ECD55539F4D0}" type="datetimeFigureOut">
               <a:rPr lang="sk-SK" smtClean="0"/>
-              <a:t>13.12.2015</a:t>
+              <a:t>17.12.2015</a:t>
             </a:fld>
             <a:endParaRPr lang="sk-SK" dirty="0"/>
           </a:p>
@@ -2349,7 +2354,7 @@
           <a:p>
             <a:fld id="{A79A3335-6331-4872-A8B7-ECD55539F4D0}" type="datetimeFigureOut">
               <a:rPr lang="sk-SK" smtClean="0"/>
-              <a:t>13.12.2015</a:t>
+              <a:t>17.12.2015</a:t>
             </a:fld>
             <a:endParaRPr lang="sk-SK" dirty="0"/>
           </a:p>
@@ -2531,7 +2536,7 @@
           <a:p>
             <a:fld id="{A79A3335-6331-4872-A8B7-ECD55539F4D0}" type="datetimeFigureOut">
               <a:rPr lang="sk-SK" smtClean="0"/>
-              <a:t>13.12.2015</a:t>
+              <a:t>17.12.2015</a:t>
             </a:fld>
             <a:endParaRPr lang="sk-SK" dirty="0"/>
           </a:p>
@@ -3774,7 +3779,7 @@
           <a:p>
             <a:fld id="{A79A3335-6331-4872-A8B7-ECD55539F4D0}" type="datetimeFigureOut">
               <a:rPr lang="sk-SK" smtClean="0"/>
-              <a:t>13.12.2015</a:t>
+              <a:t>17.12.2015</a:t>
             </a:fld>
             <a:endParaRPr lang="sk-SK" dirty="0"/>
           </a:p>
@@ -4152,7 +4157,7 @@
           <a:p>
             <a:fld id="{A79A3335-6331-4872-A8B7-ECD55539F4D0}" type="datetimeFigureOut">
               <a:rPr lang="sk-SK" smtClean="0"/>
-              <a:t>13.12.2015</a:t>
+              <a:t>17.12.2015</a:t>
             </a:fld>
             <a:endParaRPr lang="sk-SK" dirty="0"/>
           </a:p>
@@ -4282,7 +4287,7 @@
           <a:p>
             <a:fld id="{A79A3335-6331-4872-A8B7-ECD55539F4D0}" type="datetimeFigureOut">
               <a:rPr lang="sk-SK" smtClean="0"/>
-              <a:t>13.12.2015</a:t>
+              <a:t>17.12.2015</a:t>
             </a:fld>
             <a:endParaRPr lang="sk-SK" dirty="0"/>
           </a:p>
@@ -4389,7 +4394,7 @@
           <a:p>
             <a:fld id="{A79A3335-6331-4872-A8B7-ECD55539F4D0}" type="datetimeFigureOut">
               <a:rPr lang="sk-SK" smtClean="0"/>
-              <a:t>13.12.2015</a:t>
+              <a:t>17.12.2015</a:t>
             </a:fld>
             <a:endParaRPr lang="sk-SK" dirty="0"/>
           </a:p>
@@ -4680,7 +4685,7 @@
           <a:p>
             <a:fld id="{A79A3335-6331-4872-A8B7-ECD55539F4D0}" type="datetimeFigureOut">
               <a:rPr lang="sk-SK" smtClean="0"/>
-              <a:t>13.12.2015</a:t>
+              <a:t>17.12.2015</a:t>
             </a:fld>
             <a:endParaRPr lang="sk-SK" dirty="0"/>
           </a:p>
@@ -5046,7 +5051,7 @@
             <a:fld id="{A79A3335-6331-4872-A8B7-ECD55539F4D0}" type="datetimeFigureOut">
               <a:rPr lang="sk-SK" smtClean="0"/>
               <a:pPr/>
-              <a:t>13.12.2015</a:t>
+              <a:t>17.12.2015</a:t>
             </a:fld>
             <a:endParaRPr lang="sk-SK" dirty="0"/>
           </a:p>
@@ -5773,17 +5778,8 @@
           <a:p>
             <a:r>
               <a:rPr lang="sk-SK" dirty="0" smtClean="0"/>
-              <a:t>Po odoslaní žiadosti </a:t>
-            </a:r>
-            <a:r>
-              <a:rPr lang="sk-SK" dirty="0" smtClean="0"/>
-              <a:t>nasleduje kontrola,</a:t>
-            </a:r>
-            <a:r>
-              <a:rPr lang="sk-SK" dirty="0" smtClean="0"/>
-              <a:t>  či je žiadosť platná</a:t>
-            </a:r>
-            <a:endParaRPr lang="sk-SK" dirty="0" smtClean="0"/>
+              <a:t>Po odoslaní žiadosti nasleduje kontrola,  či je žiadosť platná</a:t>
+            </a:r>
           </a:p>
           <a:p>
             <a:pPr lvl="1"/>
@@ -5796,11 +5792,7 @@
             <a:pPr lvl="1"/>
             <a:r>
               <a:rPr lang="sk-SK" dirty="0" smtClean="0"/>
-              <a:t>Implementované </a:t>
-            </a:r>
-            <a:r>
-              <a:rPr lang="sk-SK" dirty="0" smtClean="0"/>
-              <a:t>skôr</a:t>
+              <a:t>Implementované skôr</a:t>
             </a:r>
           </a:p>
           <a:p>
@@ -6039,13 +6031,13 @@
   <p:clrMapOvr>
     <a:masterClrMapping/>
   </p:clrMapOvr>
-  <mc:AlternateContent xmlns:mc="http://schemas.openxmlformats.org/markup-compatibility/2006">
-    <mc:Choice xmlns:p14="http://schemas.microsoft.com/office/powerpoint/2010/main" Requires="p14">
+  <mc:AlternateContent xmlns:mc="http://schemas.openxmlformats.org/markup-compatibility/2006" xmlns:p14="http://schemas.microsoft.com/office/powerpoint/2010/main">
+    <mc:Choice Requires="p14">
       <p:transition spd="med" p14:dur="700">
         <p:fade/>
       </p:transition>
     </mc:Choice>
-    <mc:Fallback>
+    <mc:Fallback xmlns="">
       <p:transition spd="med">
         <p:fade/>
       </p:transition>
@@ -6245,13 +6237,13 @@
   <p:clrMapOvr>
     <a:masterClrMapping/>
   </p:clrMapOvr>
-  <mc:AlternateContent xmlns:mc="http://schemas.openxmlformats.org/markup-compatibility/2006">
-    <mc:Choice xmlns:p14="http://schemas.microsoft.com/office/powerpoint/2010/main" Requires="p14">
+  <mc:AlternateContent xmlns:mc="http://schemas.openxmlformats.org/markup-compatibility/2006" xmlns:p14="http://schemas.microsoft.com/office/powerpoint/2010/main">
+    <mc:Choice Requires="p14">
       <p:transition spd="med" p14:dur="700">
         <p:fade/>
       </p:transition>
     </mc:Choice>
-    <mc:Fallback>
+    <mc:Fallback xmlns="">
       <p:transition spd="med">
         <p:fade/>
       </p:transition>
@@ -6580,7 +6572,34 @@
           <a:bodyPr/>
           <a:lstStyle/>
           <a:p>
-            <a:endParaRPr lang="sk-SK"/>
+            <a:r>
+              <a:rPr lang="sk-SK" dirty="0" smtClean="0"/>
+              <a:t>Proces vytvorenia spustitelných súborov</a:t>
+            </a:r>
+          </a:p>
+          <a:p>
+            <a:pPr lvl="1"/>
+            <a:r>
+              <a:rPr lang="sk-SK" dirty="0" smtClean="0"/>
+              <a:t>Kompilácia, linkovanie kompenentov, konfigurácie...</a:t>
+            </a:r>
+          </a:p>
+          <a:p>
+            <a:endParaRPr lang="sk-SK" dirty="0" smtClean="0"/>
+          </a:p>
+          <a:p>
+            <a:r>
+              <a:rPr lang="sk-SK" dirty="0" smtClean="0"/>
+              <a:t>Nástroje zostavenia vs. Správa verzii </a:t>
+            </a:r>
+          </a:p>
+          <a:p>
+            <a:pPr lvl="1"/>
+            <a:r>
+              <a:rPr lang="sk-SK" dirty="0" smtClean="0"/>
+              <a:t>Komunikujú ako proces zostavenia prebieha na jednotlivých komponentoch</a:t>
+            </a:r>
+            <a:endParaRPr lang="sk-SK" dirty="0"/>
           </a:p>
         </p:txBody>
       </p:sp>
@@ -6635,46 +6654,132 @@
       </p:grpSpPr>
       <p:sp>
         <p:nvSpPr>
-          <p:cNvPr id="2" name="Obdĺžnik 1"/>
-          <p:cNvSpPr/>
+          <p:cNvPr id="2" name="Nadpis 1"/>
+          <p:cNvSpPr>
+            <a:spLocks noGrp="1"/>
+          </p:cNvSpPr>
+          <p:nvPr>
+            <p:ph type="title"/>
+          </p:nvPr>
+        </p:nvSpPr>
+        <p:spPr/>
+        <p:txBody>
+          <a:bodyPr/>
+          <a:lstStyle/>
+          <a:p>
+            <a:r>
+              <a:rPr lang="sk-SK" dirty="0" smtClean="0"/>
+              <a:t>Platformy zostavenia</a:t>
+            </a:r>
+            <a:endParaRPr lang="sk-SK" dirty="0"/>
+          </a:p>
+        </p:txBody>
+      </p:sp>
+      <p:sp>
+        <p:nvSpPr>
+          <p:cNvPr id="3" name="Zástupný symbol obsahu 2"/>
+          <p:cNvSpPr>
+            <a:spLocks noGrp="1"/>
+          </p:cNvSpPr>
+          <p:nvPr>
+            <p:ph idx="1"/>
+          </p:nvPr>
+        </p:nvSpPr>
+        <p:spPr/>
+        <p:txBody>
+          <a:bodyPr/>
+          <a:lstStyle/>
+          <a:p>
+            <a:r>
+              <a:rPr lang="sk-SK" dirty="0" smtClean="0"/>
+              <a:t>Vývojárska platforma</a:t>
+            </a:r>
+          </a:p>
+          <a:p>
+            <a:pPr lvl="1"/>
+            <a:r>
+              <a:rPr lang="sk-SK" dirty="0" smtClean="0"/>
+              <a:t>Vývojárske nástroje</a:t>
+            </a:r>
+          </a:p>
+          <a:p>
+            <a:pPr lvl="1"/>
+            <a:endParaRPr lang="sk-SK" dirty="0" smtClean="0"/>
+          </a:p>
+          <a:p>
+            <a:r>
+              <a:rPr lang="sk-SK" dirty="0" smtClean="0"/>
+              <a:t>Server zostavenia</a:t>
+            </a:r>
+          </a:p>
+          <a:p>
+            <a:pPr lvl="1"/>
+            <a:r>
+              <a:rPr lang="sk-SK" dirty="0" smtClean="0"/>
+              <a:t>Definitívne verzie SW</a:t>
+            </a:r>
+          </a:p>
+          <a:p>
+            <a:pPr lvl="1"/>
+            <a:endParaRPr lang="sk-SK" dirty="0" smtClean="0"/>
+          </a:p>
+          <a:p>
+            <a:r>
+              <a:rPr lang="sk-SK" dirty="0" smtClean="0"/>
+              <a:t>Cieľová platforma</a:t>
+            </a:r>
+          </a:p>
+          <a:p>
+            <a:pPr lvl="1"/>
+            <a:r>
+              <a:rPr lang="sk-SK" dirty="0" smtClean="0"/>
+              <a:t>Zákaznícky počítač</a:t>
+            </a:r>
+          </a:p>
+        </p:txBody>
+      </p:sp>
+      <p:pic>
+        <p:nvPicPr>
+          <p:cNvPr id="4" name="Content Placeholder 3" descr="25.10 Build Environment.eps"/>
+          <p:cNvPicPr>
+            <a:picLocks noGrp="1" noChangeAspect="1"/>
+          </p:cNvPicPr>
           <p:nvPr/>
-        </p:nvSpPr>
+        </p:nvPicPr>
+        <mc:AlternateContent xmlns:mc="http://schemas.openxmlformats.org/markup-compatibility/2006">
+          <mc:Choice xmlns="" xmlns:mv="urn:schemas-microsoft-com:mac:vml" xmlns:ma="http://schemas.microsoft.com/office/mac/drawingml/2008/main" xmlns:lc="http://schemas.openxmlformats.org/drawingml/2006/lockedCanvas" Requires="ma">
+            <p:blipFill>
+              <a:blip r:embed="rId2"/>
+              <a:srcRect t="-5771" b="-5771"/>
+              <a:stretch>
+                <a:fillRect/>
+              </a:stretch>
+            </p:blipFill>
+          </mc:Choice>
+          <mc:Fallback>
+            <p:blipFill>
+              <a:blip r:embed="rId3"/>
+              <a:srcRect t="-5771" b="-5771"/>
+              <a:stretch>
+                <a:fillRect/>
+              </a:stretch>
+            </p:blipFill>
+          </mc:Fallback>
+        </mc:AlternateContent>
         <p:spPr>
           <a:xfrm>
-            <a:off x="3458544" y="2906006"/>
-            <a:ext cx="5165197" cy="923330"/>
+            <a:off x="5076878" y="1828800"/>
+            <a:ext cx="6690456" cy="3679493"/>
           </a:xfrm>
           <a:prstGeom prst="rect">
             <a:avLst/>
           </a:prstGeom>
         </p:spPr>
-        <p:txBody>
-          <a:bodyPr wrap="none">
-            <a:spAutoFit/>
-          </a:bodyPr>
-          <a:lstStyle/>
-          <a:p>
-            <a:pPr algn="ctr"/>
-            <a:r>
-              <a:rPr lang="sk-SK" sz="5400" dirty="0" smtClean="0">
-                <a:solidFill>
-                  <a:srgbClr val="595959"/>
-                </a:solidFill>
-              </a:rPr>
-              <a:t>Správa  vydania</a:t>
-            </a:r>
-            <a:endParaRPr lang="sk-SK" sz="5400" dirty="0">
-              <a:solidFill>
-                <a:srgbClr val="595959"/>
-              </a:solidFill>
-            </a:endParaRPr>
-          </a:p>
-        </p:txBody>
-      </p:sp>
+      </p:pic>
     </p:spTree>
     <p:extLst>
       <p:ext uri="{BB962C8B-B14F-4D97-AF65-F5344CB8AC3E}">
-        <p14:creationId xmlns:p14="http://schemas.microsoft.com/office/powerpoint/2010/main" val="661885958"/>
+        <p14:creationId xmlns:p14="http://schemas.microsoft.com/office/powerpoint/2010/main" val="2890426556"/>
       </p:ext>
     </p:extLst>
   </p:cSld>
@@ -6858,35 +6963,54 @@
           <a:p>
             <a:r>
               <a:rPr lang="sk-SK" dirty="0" smtClean="0"/>
-              <a:t>Správa vydania</a:t>
-            </a:r>
-            <a:endParaRPr lang="sk-SK" dirty="0"/>
-          </a:p>
-        </p:txBody>
-      </p:sp>
-      <p:sp>
-        <p:nvSpPr>
-          <p:cNvPr id="3" name="Zástupný symbol obsahu 2"/>
-          <p:cNvSpPr>
-            <a:spLocks noGrp="1"/>
-          </p:cNvSpPr>
-          <p:nvPr>
-            <p:ph idx="1"/>
-          </p:nvPr>
-        </p:nvSpPr>
-        <p:spPr/>
-        <p:txBody>
-          <a:bodyPr/>
-          <a:lstStyle/>
-          <a:p>
-            <a:endParaRPr lang="sk-SK"/>
-          </a:p>
-        </p:txBody>
-      </p:sp>
+              <a:t>Zostavenie</a:t>
+            </a:r>
+            <a:endParaRPr lang="sk-SK" dirty="0"/>
+          </a:p>
+        </p:txBody>
+      </p:sp>
+      <p:pic>
+        <p:nvPicPr>
+          <p:cNvPr id="4" name="Content Placeholder 3" descr="25.11 SystemBuilding.eps"/>
+          <p:cNvPicPr>
+            <a:picLocks noGrp="1" noChangeAspect="1"/>
+          </p:cNvPicPr>
+          <p:nvPr/>
+        </p:nvPicPr>
+        <mc:AlternateContent xmlns:mc="http://schemas.openxmlformats.org/markup-compatibility/2006">
+          <mc:Choice xmlns="" xmlns:mv="urn:schemas-microsoft-com:mac:vml" xmlns:ma="http://schemas.microsoft.com/office/mac/drawingml/2008/main" xmlns:lc="http://schemas.openxmlformats.org/drawingml/2006/lockedCanvas" Requires="ma">
+            <p:blipFill>
+              <a:blip r:embed="rId2"/>
+              <a:srcRect t="-7679" b="-7679"/>
+              <a:stretch>
+                <a:fillRect/>
+              </a:stretch>
+            </p:blipFill>
+          </mc:Choice>
+          <mc:Fallback>
+            <p:blipFill>
+              <a:blip r:embed="rId3"/>
+              <a:srcRect t="-7679" b="-7679"/>
+              <a:stretch>
+                <a:fillRect/>
+              </a:stretch>
+            </p:blipFill>
+          </mc:Fallback>
+        </mc:AlternateContent>
+        <p:spPr>
+          <a:xfrm>
+            <a:off x="3129051" y="2323884"/>
+            <a:ext cx="6447246" cy="3545737"/>
+          </a:xfrm>
+          <a:prstGeom prst="rect">
+            <a:avLst/>
+          </a:prstGeom>
+        </p:spPr>
+      </p:pic>
     </p:spTree>
     <p:extLst>
       <p:ext uri="{BB962C8B-B14F-4D97-AF65-F5344CB8AC3E}">
-        <p14:creationId xmlns:p14="http://schemas.microsoft.com/office/powerpoint/2010/main" val="3580497272"/>
+        <p14:creationId xmlns:p14="http://schemas.microsoft.com/office/powerpoint/2010/main" val="1648184215"/>
       </p:ext>
     </p:extLst>
   </p:cSld>
@@ -6949,7 +7073,7 @@
           <a:p>
             <a:r>
               <a:rPr lang="sk-SK" dirty="0" smtClean="0"/>
-              <a:t>Zdroje</a:t>
+              <a:t>Minimalizácia rekompilácie</a:t>
             </a:r>
             <a:endParaRPr lang="sk-SK" dirty="0"/>
           </a:p>
@@ -6970,14 +7094,56 @@
           <a:bodyPr/>
           <a:lstStyle/>
           <a:p>
-            <a:endParaRPr lang="sk-SK" dirty="0"/>
+            <a:r>
+              <a:rPr lang="sk-SK" dirty="0" smtClean="0"/>
+              <a:t>Modifikácia časových pečiatok</a:t>
+            </a:r>
+          </a:p>
+          <a:p>
+            <a:pPr lvl="1"/>
+            <a:endParaRPr lang="sk-SK" dirty="0" smtClean="0"/>
+          </a:p>
+          <a:p>
+            <a:pPr lvl="1"/>
+            <a:r>
+              <a:rPr lang="sk-SK" dirty="0" smtClean="0"/>
+              <a:t>2015.12.16.15.14 – Jozko.java</a:t>
+            </a:r>
+          </a:p>
+          <a:p>
+            <a:pPr lvl="1"/>
+            <a:r>
+              <a:rPr lang="sk-SK" dirty="0" smtClean="0"/>
+              <a:t>2015.12.18.15.16 – Jozko.class</a:t>
+            </a:r>
+            <a:endParaRPr lang="sk-SK" dirty="0"/>
+          </a:p>
+          <a:p>
+            <a:endParaRPr lang="sk-SK" dirty="0"/>
+          </a:p>
+          <a:p>
+            <a:r>
+              <a:rPr lang="sk-SK" dirty="0" smtClean="0"/>
+              <a:t>Kontrolné súčty „zdrojákov“</a:t>
+            </a:r>
+          </a:p>
+          <a:p>
+            <a:pPr lvl="1"/>
+            <a:endParaRPr lang="sk-SK" dirty="0"/>
+          </a:p>
+          <a:p>
+            <a:pPr lvl="1"/>
+            <a:r>
+              <a:rPr lang="sk-SK" dirty="0" smtClean="0"/>
+              <a:t>F6284c8f232774f1ca5fda48f8af617b – Jozko.java</a:t>
+            </a:r>
           </a:p>
         </p:txBody>
       </p:sp>
     </p:spTree>
     <p:extLst>
       <p:ext uri="{BB962C8B-B14F-4D97-AF65-F5344CB8AC3E}">
-        <p14:creationId xmlns:p14="http://schemas.microsoft.com/office/powerpoint/2010/main" val="623721214"/>
+        <p14:creationId xmlns:p14="http://schemas.microsoft.com/office/powerpoint/2010/main" val="1037522706"/>
       </p:ext>
     </p:extLst>
   </p:cSld>
@@ -7007,6 +7173,638 @@
 </file>
 
 <file path=ppt/slides/slide22.xml><?xml version="1.0" encoding="utf-8"?>
+<p:sld xmlns:a="http://schemas.openxmlformats.org/drawingml/2006/main" xmlns:r="http://schemas.openxmlformats.org/officeDocument/2006/relationships" xmlns:p="http://schemas.openxmlformats.org/presentationml/2006/main">
+  <p:cSld>
+    <p:spTree>
+      <p:nvGrpSpPr>
+        <p:cNvPr id="1" name=""/>
+        <p:cNvGrpSpPr/>
+        <p:nvPr/>
+      </p:nvGrpSpPr>
+      <p:grpSpPr>
+        <a:xfrm>
+          <a:off x="0" y="0"/>
+          <a:ext cx="0" cy="0"/>
+          <a:chOff x="0" y="0"/>
+          <a:chExt cx="0" cy="0"/>
+        </a:xfrm>
+      </p:grpSpPr>
+      <p:sp>
+        <p:nvSpPr>
+          <p:cNvPr id="2" name="Nadpis 1"/>
+          <p:cNvSpPr>
+            <a:spLocks noGrp="1"/>
+          </p:cNvSpPr>
+          <p:nvPr>
+            <p:ph type="title"/>
+          </p:nvPr>
+        </p:nvSpPr>
+        <p:spPr/>
+        <p:txBody>
+          <a:bodyPr/>
+          <a:lstStyle/>
+          <a:p>
+            <a:r>
+              <a:rPr lang="sk-SK" dirty="0" smtClean="0"/>
+              <a:t>Kontinuálna integrácia</a:t>
+            </a:r>
+            <a:endParaRPr lang="sk-SK" dirty="0"/>
+          </a:p>
+        </p:txBody>
+      </p:sp>
+      <p:pic>
+        <p:nvPicPr>
+          <p:cNvPr id="5" name="Content Placeholder 3" descr="25.12 ContinIntegration.eps"/>
+          <p:cNvPicPr>
+            <a:picLocks noGrp="1" noChangeAspect="1"/>
+          </p:cNvPicPr>
+          <p:nvPr/>
+        </p:nvPicPr>
+        <mc:AlternateContent xmlns:mc="http://schemas.openxmlformats.org/markup-compatibility/2006">
+          <mc:Choice xmlns="" xmlns:mv="urn:schemas-microsoft-com:mac:vml" xmlns:ma="http://schemas.microsoft.com/office/mac/drawingml/2008/main" xmlns:lc="http://schemas.openxmlformats.org/drawingml/2006/lockedCanvas" Requires="ma">
+            <p:blipFill>
+              <a:blip r:embed="rId2"/>
+              <a:srcRect t="-3630" b="-3630"/>
+              <a:stretch>
+                <a:fillRect/>
+              </a:stretch>
+            </p:blipFill>
+          </mc:Choice>
+          <mc:Fallback>
+            <p:blipFill>
+              <a:blip r:embed="rId3"/>
+              <a:srcRect t="-3630" b="-3630"/>
+              <a:stretch>
+                <a:fillRect/>
+              </a:stretch>
+            </p:blipFill>
+          </mc:Fallback>
+        </mc:AlternateContent>
+        <p:spPr>
+          <a:xfrm>
+            <a:off x="2494051" y="2210334"/>
+            <a:ext cx="7203898" cy="3961866"/>
+          </a:xfrm>
+          <a:prstGeom prst="rect">
+            <a:avLst/>
+          </a:prstGeom>
+        </p:spPr>
+      </p:pic>
+    </p:spTree>
+    <p:extLst>
+      <p:ext uri="{BB962C8B-B14F-4D97-AF65-F5344CB8AC3E}">
+        <p14:creationId xmlns:p14="http://schemas.microsoft.com/office/powerpoint/2010/main" val="1274712192"/>
+      </p:ext>
+    </p:extLst>
+  </p:cSld>
+  <p:clrMapOvr>
+    <a:masterClrMapping/>
+  </p:clrMapOvr>
+  <mc:AlternateContent xmlns:mc="http://schemas.openxmlformats.org/markup-compatibility/2006" xmlns:p14="http://schemas.microsoft.com/office/powerpoint/2010/main">
+    <mc:Choice Requires="p14">
+      <p:transition spd="med" p14:dur="700">
+        <p:fade/>
+      </p:transition>
+    </mc:Choice>
+    <mc:Fallback xmlns="">
+      <p:transition spd="med">
+        <p:fade/>
+      </p:transition>
+    </mc:Fallback>
+  </mc:AlternateContent>
+  <p:timing>
+    <p:tnLst>
+      <p:par>
+        <p:cTn id="1" dur="indefinite" restart="never" nodeType="tmRoot"/>
+      </p:par>
+    </p:tnLst>
+  </p:timing>
+</p:sld>
+</file>
+
+<file path=ppt/slides/slide23.xml><?xml version="1.0" encoding="utf-8"?>
+<p:sld xmlns:a="http://schemas.openxmlformats.org/drawingml/2006/main" xmlns:r="http://schemas.openxmlformats.org/officeDocument/2006/relationships" xmlns:p="http://schemas.openxmlformats.org/presentationml/2006/main">
+  <p:cSld>
+    <p:spTree>
+      <p:nvGrpSpPr>
+        <p:cNvPr id="1" name=""/>
+        <p:cNvGrpSpPr/>
+        <p:nvPr/>
+      </p:nvGrpSpPr>
+      <p:grpSpPr>
+        <a:xfrm>
+          <a:off x="0" y="0"/>
+          <a:ext cx="0" cy="0"/>
+          <a:chOff x="0" y="0"/>
+          <a:chExt cx="0" cy="0"/>
+        </a:xfrm>
+      </p:grpSpPr>
+      <p:sp>
+        <p:nvSpPr>
+          <p:cNvPr id="2" name="Obdĺžnik 1"/>
+          <p:cNvSpPr/>
+          <p:nvPr/>
+        </p:nvSpPr>
+        <p:spPr>
+          <a:xfrm>
+            <a:off x="3458544" y="2906006"/>
+            <a:ext cx="5165197" cy="923330"/>
+          </a:xfrm>
+          <a:prstGeom prst="rect">
+            <a:avLst/>
+          </a:prstGeom>
+        </p:spPr>
+        <p:txBody>
+          <a:bodyPr wrap="none">
+            <a:spAutoFit/>
+          </a:bodyPr>
+          <a:lstStyle/>
+          <a:p>
+            <a:pPr algn="ctr"/>
+            <a:r>
+              <a:rPr lang="sk-SK" sz="5400" dirty="0" smtClean="0">
+                <a:solidFill>
+                  <a:srgbClr val="595959"/>
+                </a:solidFill>
+              </a:rPr>
+              <a:t>Správa  vydania</a:t>
+            </a:r>
+            <a:endParaRPr lang="sk-SK" sz="5400" dirty="0">
+              <a:solidFill>
+                <a:srgbClr val="595959"/>
+              </a:solidFill>
+            </a:endParaRPr>
+          </a:p>
+        </p:txBody>
+      </p:sp>
+    </p:spTree>
+    <p:extLst>
+      <p:ext uri="{BB962C8B-B14F-4D97-AF65-F5344CB8AC3E}">
+        <p14:creationId xmlns:p14="http://schemas.microsoft.com/office/powerpoint/2010/main" val="661885958"/>
+      </p:ext>
+    </p:extLst>
+  </p:cSld>
+  <p:clrMapOvr>
+    <a:masterClrMapping/>
+  </p:clrMapOvr>
+  <mc:AlternateContent xmlns:mc="http://schemas.openxmlformats.org/markup-compatibility/2006" xmlns:p14="http://schemas.microsoft.com/office/powerpoint/2010/main">
+    <mc:Choice Requires="p14">
+      <p:transition spd="med" p14:dur="700">
+        <p:fade/>
+      </p:transition>
+    </mc:Choice>
+    <mc:Fallback xmlns="">
+      <p:transition spd="med">
+        <p:fade/>
+      </p:transition>
+    </mc:Fallback>
+  </mc:AlternateContent>
+  <p:timing>
+    <p:tnLst>
+      <p:par>
+        <p:cTn id="1" dur="indefinite" restart="never" nodeType="tmRoot"/>
+      </p:par>
+    </p:tnLst>
+  </p:timing>
+</p:sld>
+</file>
+
+<file path=ppt/slides/slide24.xml><?xml version="1.0" encoding="utf-8"?>
+<p:sld xmlns:a="http://schemas.openxmlformats.org/drawingml/2006/main" xmlns:r="http://schemas.openxmlformats.org/officeDocument/2006/relationships" xmlns:p="http://schemas.openxmlformats.org/presentationml/2006/main">
+  <p:cSld>
+    <p:spTree>
+      <p:nvGrpSpPr>
+        <p:cNvPr id="1" name=""/>
+        <p:cNvGrpSpPr/>
+        <p:nvPr/>
+      </p:nvGrpSpPr>
+      <p:grpSpPr>
+        <a:xfrm>
+          <a:off x="0" y="0"/>
+          <a:ext cx="0" cy="0"/>
+          <a:chOff x="0" y="0"/>
+          <a:chExt cx="0" cy="0"/>
+        </a:xfrm>
+      </p:grpSpPr>
+      <p:sp>
+        <p:nvSpPr>
+          <p:cNvPr id="2" name="Nadpis 1"/>
+          <p:cNvSpPr>
+            <a:spLocks noGrp="1"/>
+          </p:cNvSpPr>
+          <p:nvPr>
+            <p:ph type="title"/>
+          </p:nvPr>
+        </p:nvSpPr>
+        <p:spPr/>
+        <p:txBody>
+          <a:bodyPr/>
+          <a:lstStyle/>
+          <a:p>
+            <a:r>
+              <a:rPr lang="sk-SK" dirty="0" smtClean="0"/>
+              <a:t>Správa vydania</a:t>
+            </a:r>
+            <a:endParaRPr lang="sk-SK" dirty="0"/>
+          </a:p>
+        </p:txBody>
+      </p:sp>
+      <p:sp>
+        <p:nvSpPr>
+          <p:cNvPr id="3" name="Zástupný symbol obsahu 2"/>
+          <p:cNvSpPr>
+            <a:spLocks noGrp="1"/>
+          </p:cNvSpPr>
+          <p:nvPr>
+            <p:ph idx="1"/>
+          </p:nvPr>
+        </p:nvSpPr>
+        <p:spPr/>
+        <p:txBody>
+          <a:bodyPr/>
+          <a:lstStyle/>
+          <a:p>
+            <a:r>
+              <a:rPr lang="sk-SK" dirty="0" smtClean="0"/>
+              <a:t>Vydanie softwaru</a:t>
+            </a:r>
+          </a:p>
+          <a:p>
+            <a:pPr lvl="1"/>
+            <a:r>
+              <a:rPr lang="sk-SK" dirty="0" smtClean="0"/>
+              <a:t>Mnozstvo aktívnych verzií</a:t>
+            </a:r>
+          </a:p>
+          <a:p>
+            <a:pPr lvl="1"/>
+            <a:endParaRPr lang="sk-SK" dirty="0"/>
+          </a:p>
+          <a:p>
+            <a:pPr lvl="1"/>
+            <a:endParaRPr lang="sk-SK" dirty="0" smtClean="0"/>
+          </a:p>
+          <a:p>
+            <a:r>
+              <a:rPr lang="sk-SK" dirty="0" smtClean="0"/>
+              <a:t>Dokumentácia k vydaniu</a:t>
+            </a:r>
+          </a:p>
+          <a:p>
+            <a:pPr lvl="1"/>
+            <a:r>
+              <a:rPr lang="sk-SK" dirty="0" smtClean="0"/>
+              <a:t>Viac produktových sérií</a:t>
+            </a:r>
+          </a:p>
+          <a:p>
+            <a:pPr lvl="1"/>
+            <a:endParaRPr lang="sk-SK" dirty="0"/>
+          </a:p>
+          <a:p>
+            <a:pPr lvl="1"/>
+            <a:r>
+              <a:rPr lang="sk-SK" dirty="0" smtClean="0"/>
+              <a:t>10.8.1, 10.8.2 ...</a:t>
+            </a:r>
+          </a:p>
+          <a:p>
+            <a:pPr lvl="1"/>
+            <a:r>
+              <a:rPr lang="sk-SK" dirty="0" smtClean="0"/>
+              <a:t>11.0.0 ...</a:t>
+            </a:r>
+          </a:p>
+        </p:txBody>
+      </p:sp>
+    </p:spTree>
+    <p:extLst>
+      <p:ext uri="{BB962C8B-B14F-4D97-AF65-F5344CB8AC3E}">
+        <p14:creationId xmlns:p14="http://schemas.microsoft.com/office/powerpoint/2010/main" val="3580497272"/>
+      </p:ext>
+    </p:extLst>
+  </p:cSld>
+  <p:clrMapOvr>
+    <a:masterClrMapping/>
+  </p:clrMapOvr>
+  <mc:AlternateContent xmlns:mc="http://schemas.openxmlformats.org/markup-compatibility/2006" xmlns:p14="http://schemas.microsoft.com/office/powerpoint/2010/main">
+    <mc:Choice Requires="p14">
+      <p:transition spd="med" p14:dur="700">
+        <p:fade/>
+      </p:transition>
+    </mc:Choice>
+    <mc:Fallback xmlns="">
+      <p:transition spd="med">
+        <p:fade/>
+      </p:transition>
+    </mc:Fallback>
+  </mc:AlternateContent>
+  <p:timing>
+    <p:tnLst>
+      <p:par>
+        <p:cTn id="1" dur="indefinite" restart="never" nodeType="tmRoot"/>
+      </p:par>
+    </p:tnLst>
+  </p:timing>
+</p:sld>
+</file>
+
+<file path=ppt/slides/slide25.xml><?xml version="1.0" encoding="utf-8"?>
+<p:sld xmlns:a="http://schemas.openxmlformats.org/drawingml/2006/main" xmlns:r="http://schemas.openxmlformats.org/officeDocument/2006/relationships" xmlns:p="http://schemas.openxmlformats.org/presentationml/2006/main">
+  <p:cSld>
+    <p:spTree>
+      <p:nvGrpSpPr>
+        <p:cNvPr id="1" name=""/>
+        <p:cNvGrpSpPr/>
+        <p:nvPr/>
+      </p:nvGrpSpPr>
+      <p:grpSpPr>
+        <a:xfrm>
+          <a:off x="0" y="0"/>
+          <a:ext cx="0" cy="0"/>
+          <a:chOff x="0" y="0"/>
+          <a:chExt cx="0" cy="0"/>
+        </a:xfrm>
+      </p:grpSpPr>
+      <p:sp>
+        <p:nvSpPr>
+          <p:cNvPr id="2" name="Nadpis 1"/>
+          <p:cNvSpPr>
+            <a:spLocks noGrp="1"/>
+          </p:cNvSpPr>
+          <p:nvPr>
+            <p:ph type="title"/>
+          </p:nvPr>
+        </p:nvSpPr>
+        <p:spPr/>
+        <p:txBody>
+          <a:bodyPr/>
+          <a:lstStyle/>
+          <a:p>
+            <a:r>
+              <a:rPr lang="sk-SK" dirty="0" smtClean="0"/>
+              <a:t>Reprodukcia </a:t>
+            </a:r>
+            <a:r>
+              <a:rPr lang="sk-SK" dirty="0" smtClean="0"/>
+              <a:t>vydania</a:t>
+            </a:r>
+            <a:endParaRPr lang="sk-SK" dirty="0"/>
+          </a:p>
+        </p:txBody>
+      </p:sp>
+      <p:sp>
+        <p:nvSpPr>
+          <p:cNvPr id="3" name="Zástupný symbol obsahu 2"/>
+          <p:cNvSpPr>
+            <a:spLocks noGrp="1"/>
+          </p:cNvSpPr>
+          <p:nvPr>
+            <p:ph idx="1"/>
+          </p:nvPr>
+        </p:nvSpPr>
+        <p:spPr/>
+        <p:txBody>
+          <a:bodyPr/>
+          <a:lstStyle/>
+          <a:p>
+            <a:pPr marL="0" indent="0" algn="ctr">
+              <a:buNone/>
+            </a:pPr>
+            <a:endParaRPr lang="sk-SK" b="1" dirty="0" smtClean="0"/>
+          </a:p>
+          <a:p>
+            <a:pPr marL="0" indent="0" algn="ctr">
+              <a:buNone/>
+            </a:pPr>
+            <a:endParaRPr lang="sk-SK" b="1" dirty="0"/>
+          </a:p>
+          <a:p>
+            <a:pPr marL="0" indent="0" algn="ctr">
+              <a:buNone/>
+            </a:pPr>
+            <a:endParaRPr lang="sk-SK" b="1" dirty="0" smtClean="0"/>
+          </a:p>
+          <a:p>
+            <a:pPr marL="0" indent="0" algn="ctr">
+              <a:buNone/>
+            </a:pPr>
+            <a:r>
+              <a:rPr lang="sk-SK" b="1" dirty="0" smtClean="0"/>
+              <a:t>Čo v prípade problémov ak je veľa verzií?</a:t>
+            </a:r>
+          </a:p>
+          <a:p>
+            <a:pPr marL="0" indent="0" algn="ctr">
+              <a:buNone/>
+            </a:pPr>
+            <a:endParaRPr lang="sk-SK" b="1" dirty="0" smtClean="0"/>
+          </a:p>
+          <a:p>
+            <a:pPr marL="0" indent="0" algn="ctr">
+              <a:buNone/>
+            </a:pPr>
+            <a:endParaRPr lang="sk-SK" b="1" dirty="0"/>
+          </a:p>
+          <a:p>
+            <a:pPr marL="0" indent="0" algn="ctr">
+              <a:buNone/>
+            </a:pPr>
+            <a:endParaRPr lang="sk-SK" b="1" dirty="0"/>
+          </a:p>
+          <a:p>
+            <a:pPr marL="0" indent="0" algn="ctr">
+              <a:buNone/>
+            </a:pPr>
+            <a:r>
+              <a:rPr lang="sk-SK" dirty="0" smtClean="0"/>
+              <a:t>Kópia zdrojových kódov, konfigurácií, knižníc</a:t>
+            </a:r>
+          </a:p>
+        </p:txBody>
+      </p:sp>
+    </p:spTree>
+    <p:extLst>
+      <p:ext uri="{BB962C8B-B14F-4D97-AF65-F5344CB8AC3E}">
+        <p14:creationId xmlns:p14="http://schemas.microsoft.com/office/powerpoint/2010/main" val="3650026193"/>
+      </p:ext>
+    </p:extLst>
+  </p:cSld>
+  <p:clrMapOvr>
+    <a:masterClrMapping/>
+  </p:clrMapOvr>
+  <mc:AlternateContent xmlns:mc="http://schemas.openxmlformats.org/markup-compatibility/2006" xmlns:p14="http://schemas.microsoft.com/office/powerpoint/2010/main">
+    <mc:Choice Requires="p14">
+      <p:transition spd="med" p14:dur="700">
+        <p:fade/>
+      </p:transition>
+    </mc:Choice>
+    <mc:Fallback xmlns="">
+      <p:transition spd="med">
+        <p:fade/>
+      </p:transition>
+    </mc:Fallback>
+  </mc:AlternateContent>
+  <p:timing>
+    <p:tnLst>
+      <p:par>
+        <p:cTn id="1" dur="indefinite" restart="never" nodeType="tmRoot"/>
+      </p:par>
+    </p:tnLst>
+  </p:timing>
+</p:sld>
+</file>
+
+<file path=ppt/slides/slide26.xml><?xml version="1.0" encoding="utf-8"?>
+<p:sld xmlns:a="http://schemas.openxmlformats.org/drawingml/2006/main" xmlns:r="http://schemas.openxmlformats.org/officeDocument/2006/relationships" xmlns:p="http://schemas.openxmlformats.org/presentationml/2006/main">
+  <p:cSld>
+    <p:spTree>
+      <p:nvGrpSpPr>
+        <p:cNvPr id="1" name=""/>
+        <p:cNvGrpSpPr/>
+        <p:nvPr/>
+      </p:nvGrpSpPr>
+      <p:grpSpPr>
+        <a:xfrm>
+          <a:off x="0" y="0"/>
+          <a:ext cx="0" cy="0"/>
+          <a:chOff x="0" y="0"/>
+          <a:chExt cx="0" cy="0"/>
+        </a:xfrm>
+      </p:grpSpPr>
+      <p:sp>
+        <p:nvSpPr>
+          <p:cNvPr id="2" name="Nadpis 1"/>
+          <p:cNvSpPr>
+            <a:spLocks noGrp="1"/>
+          </p:cNvSpPr>
+          <p:nvPr>
+            <p:ph type="title"/>
+          </p:nvPr>
+        </p:nvSpPr>
+        <p:spPr/>
+        <p:txBody>
+          <a:bodyPr/>
+          <a:lstStyle/>
+          <a:p>
+            <a:r>
+              <a:rPr lang="sk-SK" dirty="0" smtClean="0"/>
+              <a:t>Plánovanie </a:t>
+            </a:r>
+            <a:r>
+              <a:rPr lang="sk-SK" dirty="0" smtClean="0"/>
+              <a:t>vydania</a:t>
+            </a:r>
+            <a:endParaRPr lang="sk-SK" dirty="0"/>
+          </a:p>
+        </p:txBody>
+      </p:sp>
+      <p:sp>
+        <p:nvSpPr>
+          <p:cNvPr id="3" name="Zástupný symbol obsahu 2"/>
+          <p:cNvSpPr>
+            <a:spLocks noGrp="1"/>
+          </p:cNvSpPr>
+          <p:nvPr>
+            <p:ph idx="1"/>
+          </p:nvPr>
+        </p:nvSpPr>
+        <p:spPr>
+          <a:xfrm>
+            <a:off x="1295400" y="1828800"/>
+            <a:ext cx="9601200" cy="4812632"/>
+          </a:xfrm>
+        </p:spPr>
+        <p:txBody>
+          <a:bodyPr>
+            <a:normAutofit/>
+          </a:bodyPr>
+          <a:lstStyle/>
+          <a:p>
+            <a:r>
+              <a:rPr lang="sk-SK" dirty="0" smtClean="0"/>
+              <a:t>Vydania nesmú byť príliž časté</a:t>
+            </a:r>
+          </a:p>
+          <a:p>
+            <a:pPr lvl="1"/>
+            <a:r>
+              <a:rPr lang="sk-SK" dirty="0" smtClean="0"/>
+              <a:t>Zákazníci nebudú kupovať každú verziu</a:t>
+            </a:r>
+          </a:p>
+          <a:p>
+            <a:pPr lvl="1"/>
+            <a:endParaRPr lang="sk-SK" dirty="0" smtClean="0"/>
+          </a:p>
+          <a:p>
+            <a:r>
+              <a:rPr lang="sk-SK" dirty="0" smtClean="0"/>
+              <a:t>„nezaspať dobu“</a:t>
+            </a:r>
+          </a:p>
+          <a:p>
+            <a:pPr lvl="1"/>
+            <a:r>
+              <a:rPr lang="sk-SK" dirty="0" smtClean="0"/>
+              <a:t>Zákazníci odíjdu na alternatívne systémy</a:t>
+            </a:r>
+          </a:p>
+          <a:p>
+            <a:pPr lvl="1"/>
+            <a:endParaRPr lang="sk-SK" dirty="0"/>
+          </a:p>
+          <a:p>
+            <a:endParaRPr lang="sk-SK" dirty="0" smtClean="0"/>
+          </a:p>
+          <a:p>
+            <a:r>
+              <a:rPr lang="sk-SK" dirty="0" smtClean="0"/>
+              <a:t>Faktory vydania</a:t>
+            </a:r>
+          </a:p>
+          <a:p>
+            <a:pPr lvl="1"/>
+            <a:r>
+              <a:rPr lang="sk-SK" dirty="0" smtClean="0"/>
+              <a:t>Súťaž, Požiadavky marketingu, Požiadavky zákazníka, Zmeny platformy, Technická kvality systému</a:t>
+            </a:r>
+          </a:p>
+        </p:txBody>
+      </p:sp>
+    </p:spTree>
+    <p:extLst>
+      <p:ext uri="{BB962C8B-B14F-4D97-AF65-F5344CB8AC3E}">
+        <p14:creationId xmlns:p14="http://schemas.microsoft.com/office/powerpoint/2010/main" val="1075644268"/>
+      </p:ext>
+    </p:extLst>
+  </p:cSld>
+  <p:clrMapOvr>
+    <a:masterClrMapping/>
+  </p:clrMapOvr>
+  <mc:AlternateContent xmlns:mc="http://schemas.openxmlformats.org/markup-compatibility/2006" xmlns:p14="http://schemas.microsoft.com/office/powerpoint/2010/main">
+    <mc:Choice Requires="p14">
+      <p:transition spd="med" p14:dur="700">
+        <p:fade/>
+      </p:transition>
+    </mc:Choice>
+    <mc:Fallback xmlns="">
+      <p:transition spd="med">
+        <p:fade/>
+      </p:transition>
+    </mc:Fallback>
+  </mc:AlternateContent>
+  <p:timing>
+    <p:tnLst>
+      <p:par>
+        <p:cTn id="1" dur="indefinite" restart="never" nodeType="tmRoot"/>
+      </p:par>
+    </p:tnLst>
+  </p:timing>
+</p:sld>
+</file>
+
+<file path=ppt/slides/slide27.xml><?xml version="1.0" encoding="utf-8"?>
 <p:sld xmlns:a="http://schemas.openxmlformats.org/drawingml/2006/main" xmlns:r="http://schemas.openxmlformats.org/officeDocument/2006/relationships" xmlns:p="http://schemas.openxmlformats.org/presentationml/2006/main">
   <p:cSld>
     <p:spTree>
@@ -7483,11 +8281,7 @@
             <a:pPr lvl="1"/>
             <a:r>
               <a:rPr lang="sk-SK" dirty="0" smtClean="0"/>
-              <a:t>tímy </a:t>
-            </a:r>
-            <a:r>
-              <a:rPr lang="sk-SK" dirty="0" smtClean="0"/>
-              <a:t>majú prístup k informáciám o vyvíjanom systéme a nenarušujú si prácu</a:t>
+              <a:t>tímy majú prístup k informáciám o vyvíjanom systéme a nenarušujú si prácu</a:t>
             </a:r>
           </a:p>
           <a:p>
